--- a/Abschlusspräsentation_V0.2.pptx
+++ b/Abschlusspräsentation_V0.2.pptx
@@ -610,7 +610,7 @@
           </a:ln>
           <a:extLst>
             <a:ext uri="{C572A759-6A51-4108-AA02-DFA0A04FC94B}">
-              <ma14:wrappingTextBoxFlag xmlns:ma14="http://schemas.microsoft.com/office/mac/drawingml/2011/main" xmlns="" val="1"/>
+              <ma14:wrappingTextBoxFlag xmlns="" xmlns:ma14="http://schemas.microsoft.com/office/mac/drawingml/2011/main" val="1"/>
             </a:ext>
           </a:extLst>
         </p:spPr>
@@ -656,7 +656,7 @@
           </a:ln>
           <a:extLst>
             <a:ext uri="{C572A759-6A51-4108-AA02-DFA0A04FC94B}">
-              <ma14:wrappingTextBoxFlag xmlns:ma14="http://schemas.microsoft.com/office/mac/drawingml/2011/main" xmlns="" val="1"/>
+              <ma14:wrappingTextBoxFlag xmlns="" xmlns:ma14="http://schemas.microsoft.com/office/mac/drawingml/2011/main" val="1"/>
             </a:ext>
           </a:extLst>
         </p:spPr>
@@ -701,7 +701,7 @@
           </a:ln>
           <a:extLst>
             <a:ext uri="{C572A759-6A51-4108-AA02-DFA0A04FC94B}">
-              <ma14:wrappingTextBoxFlag xmlns:ma14="http://schemas.microsoft.com/office/mac/drawingml/2011/main" xmlns="" val="1"/>
+              <ma14:wrappingTextBoxFlag xmlns="" xmlns:ma14="http://schemas.microsoft.com/office/mac/drawingml/2011/main" val="1"/>
             </a:ext>
           </a:extLst>
         </p:spPr>
@@ -1442,7 +1442,7 @@
           </a:ln>
           <a:extLst>
             <a:ext uri="{C572A759-6A51-4108-AA02-DFA0A04FC94B}">
-              <ma14:wrappingTextBoxFlag xmlns:ma14="http://schemas.microsoft.com/office/mac/drawingml/2011/main" xmlns="" val="1"/>
+              <ma14:wrappingTextBoxFlag xmlns="" xmlns:ma14="http://schemas.microsoft.com/office/mac/drawingml/2011/main" val="1"/>
             </a:ext>
           </a:extLst>
         </p:spPr>
@@ -2104,7 +2104,7 @@
           </a:ln>
           <a:extLst>
             <a:ext uri="{C572A759-6A51-4108-AA02-DFA0A04FC94B}">
-              <ma14:wrappingTextBoxFlag xmlns:ma14="http://schemas.microsoft.com/office/mac/drawingml/2011/main" xmlns="" val="1"/>
+              <ma14:wrappingTextBoxFlag xmlns="" xmlns:ma14="http://schemas.microsoft.com/office/mac/drawingml/2011/main" val="1"/>
             </a:ext>
           </a:extLst>
         </p:spPr>
@@ -2172,7 +2172,7 @@
           </a:ln>
           <a:extLst>
             <a:ext uri="{C572A759-6A51-4108-AA02-DFA0A04FC94B}">
-              <ma14:wrappingTextBoxFlag xmlns:ma14="http://schemas.microsoft.com/office/mac/drawingml/2011/main" xmlns="" val="1"/>
+              <ma14:wrappingTextBoxFlag xmlns="" xmlns:ma14="http://schemas.microsoft.com/office/mac/drawingml/2011/main" val="1"/>
             </a:ext>
           </a:extLst>
         </p:spPr>
@@ -2826,7 +2826,7 @@
           </a:ln>
           <a:extLst>
             <a:ext uri="{C572A759-6A51-4108-AA02-DFA0A04FC94B}">
-              <ma14:wrappingTextBoxFlag xmlns:ma14="http://schemas.microsoft.com/office/mac/drawingml/2011/main" xmlns="" val="1"/>
+              <ma14:wrappingTextBoxFlag xmlns="" xmlns:ma14="http://schemas.microsoft.com/office/mac/drawingml/2011/main" val="1"/>
             </a:ext>
           </a:extLst>
         </p:spPr>
@@ -2910,7 +2910,7 @@
           </a:ln>
           <a:extLst>
             <a:ext uri="{C572A759-6A51-4108-AA02-DFA0A04FC94B}">
-              <ma14:wrappingTextBoxFlag xmlns:ma14="http://schemas.microsoft.com/office/mac/drawingml/2011/main" xmlns="" val="1"/>
+              <ma14:wrappingTextBoxFlag xmlns="" xmlns:ma14="http://schemas.microsoft.com/office/mac/drawingml/2011/main" val="1"/>
             </a:ext>
           </a:extLst>
         </p:spPr>
@@ -2985,7 +2985,7 @@
           </a:ln>
           <a:extLst>
             <a:ext uri="{C572A759-6A51-4108-AA02-DFA0A04FC94B}">
-              <ma14:wrappingTextBoxFlag xmlns:ma14="http://schemas.microsoft.com/office/mac/drawingml/2011/main" xmlns="" val="1"/>
+              <ma14:wrappingTextBoxFlag xmlns="" xmlns:ma14="http://schemas.microsoft.com/office/mac/drawingml/2011/main" val="1"/>
             </a:ext>
           </a:extLst>
         </p:spPr>
@@ -3022,7 +3022,7 @@
           </a:ln>
           <a:extLst>
             <a:ext uri="{C572A759-6A51-4108-AA02-DFA0A04FC94B}">
-              <ma14:wrappingTextBoxFlag xmlns:ma14="http://schemas.microsoft.com/office/mac/drawingml/2011/main" xmlns="" val="1"/>
+              <ma14:wrappingTextBoxFlag xmlns="" xmlns:ma14="http://schemas.microsoft.com/office/mac/drawingml/2011/main" val="1"/>
             </a:ext>
           </a:extLst>
         </p:spPr>
@@ -4042,7 +4042,7 @@
           </a:prstGeom>
           <a:extLst>
             <a:ext uri="{C572A759-6A51-4108-AA02-DFA0A04FC94B}">
-              <ma14:wrappingTextBoxFlag xmlns:ma14="http://schemas.microsoft.com/office/mac/drawingml/2011/main" xmlns="" val="1"/>
+              <ma14:wrappingTextBoxFlag xmlns="" xmlns:ma14="http://schemas.microsoft.com/office/mac/drawingml/2011/main" val="1"/>
             </a:ext>
           </a:extLst>
         </p:spPr>
@@ -4702,7 +4702,7 @@
           </a:ln>
           <a:extLst>
             <a:ext uri="{C572A759-6A51-4108-AA02-DFA0A04FC94B}">
-              <ma14:wrappingTextBoxFlag xmlns:ma14="http://schemas.microsoft.com/office/mac/drawingml/2011/main" xmlns="" val="1"/>
+              <ma14:wrappingTextBoxFlag xmlns="" xmlns:ma14="http://schemas.microsoft.com/office/mac/drawingml/2011/main" val="1"/>
             </a:ext>
           </a:extLst>
         </p:spPr>
@@ -4861,7 +4861,7 @@
           </a:ln>
           <a:extLst>
             <a:ext uri="{C572A759-6A51-4108-AA02-DFA0A04FC94B}">
-              <ma14:wrappingTextBoxFlag xmlns:ma14="http://schemas.microsoft.com/office/mac/drawingml/2011/main" xmlns="" val="1"/>
+              <ma14:wrappingTextBoxFlag xmlns="" xmlns:ma14="http://schemas.microsoft.com/office/mac/drawingml/2011/main" val="1"/>
             </a:ext>
           </a:extLst>
         </p:spPr>
@@ -4901,7 +4901,7 @@
           </a:prstGeom>
           <a:extLst>
             <a:ext uri="{C572A759-6A51-4108-AA02-DFA0A04FC94B}">
-              <ma14:wrappingTextBoxFlag xmlns:ma14="http://schemas.microsoft.com/office/mac/drawingml/2011/main" xmlns="" val="1"/>
+              <ma14:wrappingTextBoxFlag xmlns="" xmlns:ma14="http://schemas.microsoft.com/office/mac/drawingml/2011/main" val="1"/>
             </a:ext>
           </a:extLst>
         </p:spPr>
@@ -4972,7 +4972,7 @@
           </a:effectLst>
           <a:extLst>
             <a:ext uri="{C572A759-6A51-4108-AA02-DFA0A04FC94B}">
-              <ma14:wrappingTextBoxFlag xmlns:ma14="http://schemas.microsoft.com/office/mac/drawingml/2011/main" xmlns="" val="1"/>
+              <ma14:wrappingTextBoxFlag xmlns="" xmlns:ma14="http://schemas.microsoft.com/office/mac/drawingml/2011/main" val="1"/>
             </a:ext>
           </a:extLst>
         </p:spPr>
@@ -5021,7 +5021,7 @@
           </a:effectLst>
           <a:extLst>
             <a:ext uri="{C572A759-6A51-4108-AA02-DFA0A04FC94B}">
-              <ma14:wrappingTextBoxFlag xmlns:ma14="http://schemas.microsoft.com/office/mac/drawingml/2011/main" xmlns="" val="1"/>
+              <ma14:wrappingTextBoxFlag xmlns="" xmlns:ma14="http://schemas.microsoft.com/office/mac/drawingml/2011/main" val="1"/>
             </a:ext>
           </a:extLst>
         </p:spPr>
@@ -5068,7 +5068,7 @@
           </a:effectLst>
           <a:extLst>
             <a:ext uri="{C572A759-6A51-4108-AA02-DFA0A04FC94B}">
-              <ma14:wrappingTextBoxFlag xmlns:ma14="http://schemas.microsoft.com/office/mac/drawingml/2011/main" xmlns="" val="1"/>
+              <ma14:wrappingTextBoxFlag xmlns="" xmlns:ma14="http://schemas.microsoft.com/office/mac/drawingml/2011/main" val="1"/>
             </a:ext>
           </a:extLst>
         </p:spPr>
@@ -5117,7 +5117,7 @@
           </a:effectLst>
           <a:extLst>
             <a:ext uri="{C572A759-6A51-4108-AA02-DFA0A04FC94B}">
-              <ma14:wrappingTextBoxFlag xmlns:ma14="http://schemas.microsoft.com/office/mac/drawingml/2011/main" xmlns="" val="1"/>
+              <ma14:wrappingTextBoxFlag xmlns="" xmlns:ma14="http://schemas.microsoft.com/office/mac/drawingml/2011/main" val="1"/>
             </a:ext>
           </a:extLst>
         </p:spPr>
@@ -5157,7 +5157,7 @@
           </a:ln>
           <a:extLst>
             <a:ext uri="{C572A759-6A51-4108-AA02-DFA0A04FC94B}">
-              <ma14:wrappingTextBoxFlag xmlns:ma14="http://schemas.microsoft.com/office/mac/drawingml/2011/main" xmlns="" val="1"/>
+              <ma14:wrappingTextBoxFlag xmlns="" xmlns:ma14="http://schemas.microsoft.com/office/mac/drawingml/2011/main" val="1"/>
             </a:ext>
           </a:extLst>
         </p:spPr>
@@ -5197,7 +5197,7 @@
           </a:ln>
           <a:extLst>
             <a:ext uri="{C572A759-6A51-4108-AA02-DFA0A04FC94B}">
-              <ma14:wrappingTextBoxFlag xmlns:ma14="http://schemas.microsoft.com/office/mac/drawingml/2011/main" xmlns="" val="1"/>
+              <ma14:wrappingTextBoxFlag xmlns="" xmlns:ma14="http://schemas.microsoft.com/office/mac/drawingml/2011/main" val="1"/>
             </a:ext>
           </a:extLst>
         </p:spPr>
@@ -5237,7 +5237,7 @@
           </a:ln>
           <a:extLst>
             <a:ext uri="{C572A759-6A51-4108-AA02-DFA0A04FC94B}">
-              <ma14:wrappingTextBoxFlag xmlns:ma14="http://schemas.microsoft.com/office/mac/drawingml/2011/main" xmlns="" val="1"/>
+              <ma14:wrappingTextBoxFlag xmlns="" xmlns:ma14="http://schemas.microsoft.com/office/mac/drawingml/2011/main" val="1"/>
             </a:ext>
           </a:extLst>
         </p:spPr>
@@ -5277,7 +5277,7 @@
           </a:ln>
           <a:extLst>
             <a:ext uri="{C572A759-6A51-4108-AA02-DFA0A04FC94B}">
-              <ma14:wrappingTextBoxFlag xmlns:ma14="http://schemas.microsoft.com/office/mac/drawingml/2011/main" xmlns="" val="1"/>
+              <ma14:wrappingTextBoxFlag xmlns="" xmlns:ma14="http://schemas.microsoft.com/office/mac/drawingml/2011/main" val="1"/>
             </a:ext>
           </a:extLst>
         </p:spPr>
@@ -5314,7 +5314,7 @@
           </a:ln>
           <a:extLst>
             <a:ext uri="{C572A759-6A51-4108-AA02-DFA0A04FC94B}">
-              <ma14:wrappingTextBoxFlag xmlns:ma14="http://schemas.microsoft.com/office/mac/drawingml/2011/main" xmlns="" val="1"/>
+              <ma14:wrappingTextBoxFlag xmlns="" xmlns:ma14="http://schemas.microsoft.com/office/mac/drawingml/2011/main" val="1"/>
             </a:ext>
           </a:extLst>
         </p:spPr>
@@ -5353,7 +5353,7 @@
           </a:ln>
           <a:extLst>
             <a:ext uri="{C572A759-6A51-4108-AA02-DFA0A04FC94B}">
-              <ma14:wrappingTextBoxFlag xmlns:ma14="http://schemas.microsoft.com/office/mac/drawingml/2011/main" xmlns="" val="1"/>
+              <ma14:wrappingTextBoxFlag xmlns="" xmlns:ma14="http://schemas.microsoft.com/office/mac/drawingml/2011/main" val="1"/>
             </a:ext>
           </a:extLst>
         </p:spPr>
@@ -5452,7 +5452,7 @@
           </a:ln>
           <a:extLst>
             <a:ext uri="{C572A759-6A51-4108-AA02-DFA0A04FC94B}">
-              <ma14:wrappingTextBoxFlag xmlns:ma14="http://schemas.microsoft.com/office/mac/drawingml/2011/main" xmlns="" val="1"/>
+              <ma14:wrappingTextBoxFlag xmlns="" xmlns:ma14="http://schemas.microsoft.com/office/mac/drawingml/2011/main" val="1"/>
             </a:ext>
           </a:extLst>
         </p:spPr>
@@ -5494,7 +5494,7 @@
           </a:ln>
           <a:extLst>
             <a:ext uri="{C572A759-6A51-4108-AA02-DFA0A04FC94B}">
-              <ma14:wrappingTextBoxFlag xmlns:ma14="http://schemas.microsoft.com/office/mac/drawingml/2011/main" xmlns="" val="1"/>
+              <ma14:wrappingTextBoxFlag xmlns="" xmlns:ma14="http://schemas.microsoft.com/office/mac/drawingml/2011/main" val="1"/>
             </a:ext>
           </a:extLst>
         </p:spPr>
@@ -5534,7 +5534,7 @@
           </a:ln>
           <a:extLst>
             <a:ext uri="{C572A759-6A51-4108-AA02-DFA0A04FC94B}">
-              <ma14:wrappingTextBoxFlag xmlns:ma14="http://schemas.microsoft.com/office/mac/drawingml/2011/main" xmlns="" val="1"/>
+              <ma14:wrappingTextBoxFlag xmlns="" xmlns:ma14="http://schemas.microsoft.com/office/mac/drawingml/2011/main" val="1"/>
             </a:ext>
           </a:extLst>
         </p:spPr>
@@ -5574,7 +5574,7 @@
           </a:ln>
           <a:extLst>
             <a:ext uri="{C572A759-6A51-4108-AA02-DFA0A04FC94B}">
-              <ma14:wrappingTextBoxFlag xmlns:ma14="http://schemas.microsoft.com/office/mac/drawingml/2011/main" xmlns="" val="1"/>
+              <ma14:wrappingTextBoxFlag xmlns="" xmlns:ma14="http://schemas.microsoft.com/office/mac/drawingml/2011/main" val="1"/>
             </a:ext>
           </a:extLst>
         </p:spPr>
@@ -5614,7 +5614,7 @@
           </a:ln>
           <a:extLst>
             <a:ext uri="{C572A759-6A51-4108-AA02-DFA0A04FC94B}">
-              <ma14:wrappingTextBoxFlag xmlns:ma14="http://schemas.microsoft.com/office/mac/drawingml/2011/main" xmlns="" val="1"/>
+              <ma14:wrappingTextBoxFlag xmlns="" xmlns:ma14="http://schemas.microsoft.com/office/mac/drawingml/2011/main" val="1"/>
             </a:ext>
           </a:extLst>
         </p:spPr>
@@ -5654,7 +5654,7 @@
           </a:ln>
           <a:extLst>
             <a:ext uri="{C572A759-6A51-4108-AA02-DFA0A04FC94B}">
-              <ma14:wrappingTextBoxFlag xmlns:ma14="http://schemas.microsoft.com/office/mac/drawingml/2011/main" xmlns="" val="1"/>
+              <ma14:wrappingTextBoxFlag xmlns="" xmlns:ma14="http://schemas.microsoft.com/office/mac/drawingml/2011/main" val="1"/>
             </a:ext>
           </a:extLst>
         </p:spPr>
@@ -5694,7 +5694,7 @@
           </a:ln>
           <a:extLst>
             <a:ext uri="{C572A759-6A51-4108-AA02-DFA0A04FC94B}">
-              <ma14:wrappingTextBoxFlag xmlns:ma14="http://schemas.microsoft.com/office/mac/drawingml/2011/main" xmlns="" val="1"/>
+              <ma14:wrappingTextBoxFlag xmlns="" xmlns:ma14="http://schemas.microsoft.com/office/mac/drawingml/2011/main" val="1"/>
             </a:ext>
           </a:extLst>
         </p:spPr>
@@ -5734,7 +5734,7 @@
           </a:ln>
           <a:extLst>
             <a:ext uri="{C572A759-6A51-4108-AA02-DFA0A04FC94B}">
-              <ma14:wrappingTextBoxFlag xmlns:ma14="http://schemas.microsoft.com/office/mac/drawingml/2011/main" xmlns="" val="1"/>
+              <ma14:wrappingTextBoxFlag xmlns="" xmlns:ma14="http://schemas.microsoft.com/office/mac/drawingml/2011/main" val="1"/>
             </a:ext>
           </a:extLst>
         </p:spPr>
@@ -5831,7 +5831,7 @@
           </a:ln>
           <a:extLst>
             <a:ext uri="{C572A759-6A51-4108-AA02-DFA0A04FC94B}">
-              <ma14:wrappingTextBoxFlag xmlns:ma14="http://schemas.microsoft.com/office/mac/drawingml/2011/main" xmlns="" val="1"/>
+              <ma14:wrappingTextBoxFlag xmlns="" xmlns:ma14="http://schemas.microsoft.com/office/mac/drawingml/2011/main" val="1"/>
             </a:ext>
           </a:extLst>
         </p:spPr>
@@ -5870,7 +5870,7 @@
           </a:ln>
           <a:extLst>
             <a:ext uri="{C572A759-6A51-4108-AA02-DFA0A04FC94B}">
-              <ma14:wrappingTextBoxFlag xmlns:ma14="http://schemas.microsoft.com/office/mac/drawingml/2011/main" xmlns="" val="1"/>
+              <ma14:wrappingTextBoxFlag xmlns="" xmlns:ma14="http://schemas.microsoft.com/office/mac/drawingml/2011/main" val="1"/>
             </a:ext>
           </a:extLst>
         </p:spPr>
@@ -5999,7 +5999,7 @@
           </a:ln>
           <a:extLst>
             <a:ext uri="{C572A759-6A51-4108-AA02-DFA0A04FC94B}">
-              <ma14:wrappingTextBoxFlag xmlns:ma14="http://schemas.microsoft.com/office/mac/drawingml/2011/main" xmlns="" val="1"/>
+              <ma14:wrappingTextBoxFlag xmlns="" xmlns:ma14="http://schemas.microsoft.com/office/mac/drawingml/2011/main" val="1"/>
             </a:ext>
           </a:extLst>
         </p:spPr>
@@ -6038,7 +6038,7 @@
           </a:ln>
           <a:extLst>
             <a:ext uri="{C572A759-6A51-4108-AA02-DFA0A04FC94B}">
-              <ma14:wrappingTextBoxFlag xmlns:ma14="http://schemas.microsoft.com/office/mac/drawingml/2011/main" xmlns="" val="1"/>
+              <ma14:wrappingTextBoxFlag xmlns="" xmlns:ma14="http://schemas.microsoft.com/office/mac/drawingml/2011/main" val="1"/>
             </a:ext>
           </a:extLst>
         </p:spPr>
@@ -6092,7 +6092,7 @@
           </a:effectLst>
           <a:extLst>
             <a:ext uri="{C572A759-6A51-4108-AA02-DFA0A04FC94B}">
-              <ma14:wrappingTextBoxFlag xmlns:ma14="http://schemas.microsoft.com/office/mac/drawingml/2011/main" xmlns="" val="1"/>
+              <ma14:wrappingTextBoxFlag xmlns="" xmlns:ma14="http://schemas.microsoft.com/office/mac/drawingml/2011/main" val="1"/>
             </a:ext>
           </a:extLst>
         </p:spPr>
@@ -6151,7 +6151,7 @@
           </a:effectLst>
           <a:extLst>
             <a:ext uri="{C572A759-6A51-4108-AA02-DFA0A04FC94B}">
-              <ma14:wrappingTextBoxFlag xmlns:ma14="http://schemas.microsoft.com/office/mac/drawingml/2011/main" xmlns="" val="1"/>
+              <ma14:wrappingTextBoxFlag xmlns="" xmlns:ma14="http://schemas.microsoft.com/office/mac/drawingml/2011/main" val="1"/>
             </a:ext>
           </a:extLst>
         </p:spPr>
@@ -6210,7 +6210,7 @@
           </a:effectLst>
           <a:extLst>
             <a:ext uri="{C572A759-6A51-4108-AA02-DFA0A04FC94B}">
-              <ma14:wrappingTextBoxFlag xmlns:ma14="http://schemas.microsoft.com/office/mac/drawingml/2011/main" xmlns="" val="1"/>
+              <ma14:wrappingTextBoxFlag xmlns="" xmlns:ma14="http://schemas.microsoft.com/office/mac/drawingml/2011/main" val="1"/>
             </a:ext>
           </a:extLst>
         </p:spPr>
@@ -6269,7 +6269,7 @@
           </a:effectLst>
           <a:extLst>
             <a:ext uri="{C572A759-6A51-4108-AA02-DFA0A04FC94B}">
-              <ma14:wrappingTextBoxFlag xmlns:ma14="http://schemas.microsoft.com/office/mac/drawingml/2011/main" xmlns="" val="1"/>
+              <ma14:wrappingTextBoxFlag xmlns="" xmlns:ma14="http://schemas.microsoft.com/office/mac/drawingml/2011/main" val="1"/>
             </a:ext>
           </a:extLst>
         </p:spPr>
@@ -6328,7 +6328,7 @@
           </a:effectLst>
           <a:extLst>
             <a:ext uri="{C572A759-6A51-4108-AA02-DFA0A04FC94B}">
-              <ma14:wrappingTextBoxFlag xmlns:ma14="http://schemas.microsoft.com/office/mac/drawingml/2011/main" xmlns="" val="1"/>
+              <ma14:wrappingTextBoxFlag xmlns="" xmlns:ma14="http://schemas.microsoft.com/office/mac/drawingml/2011/main" val="1"/>
             </a:ext>
           </a:extLst>
         </p:spPr>
@@ -6405,7 +6405,7 @@
           </a:ln>
           <a:extLst>
             <a:ext uri="{C572A759-6A51-4108-AA02-DFA0A04FC94B}">
-              <ma14:wrappingTextBoxFlag xmlns:ma14="http://schemas.microsoft.com/office/mac/drawingml/2011/main" xmlns="" val="1"/>
+              <ma14:wrappingTextBoxFlag xmlns="" xmlns:ma14="http://schemas.microsoft.com/office/mac/drawingml/2011/main" val="1"/>
             </a:ext>
           </a:extLst>
         </p:spPr>
@@ -6445,7 +6445,7 @@
           </a:ln>
           <a:extLst>
             <a:ext uri="{C572A759-6A51-4108-AA02-DFA0A04FC94B}">
-              <ma14:wrappingTextBoxFlag xmlns:ma14="http://schemas.microsoft.com/office/mac/drawingml/2011/main" xmlns="" val="1"/>
+              <ma14:wrappingTextBoxFlag xmlns="" xmlns:ma14="http://schemas.microsoft.com/office/mac/drawingml/2011/main" val="1"/>
             </a:ext>
           </a:extLst>
         </p:spPr>
@@ -6485,7 +6485,7 @@
           </a:ln>
           <a:extLst>
             <a:ext uri="{C572A759-6A51-4108-AA02-DFA0A04FC94B}">
-              <ma14:wrappingTextBoxFlag xmlns:ma14="http://schemas.microsoft.com/office/mac/drawingml/2011/main" xmlns="" val="1"/>
+              <ma14:wrappingTextBoxFlag xmlns="" xmlns:ma14="http://schemas.microsoft.com/office/mac/drawingml/2011/main" val="1"/>
             </a:ext>
           </a:extLst>
         </p:spPr>
@@ -6582,7 +6582,7 @@
           </a:ln>
           <a:extLst>
             <a:ext uri="{C572A759-6A51-4108-AA02-DFA0A04FC94B}">
-              <ma14:wrappingTextBoxFlag xmlns:ma14="http://schemas.microsoft.com/office/mac/drawingml/2011/main" xmlns="" val="1"/>
+              <ma14:wrappingTextBoxFlag xmlns="" xmlns:ma14="http://schemas.microsoft.com/office/mac/drawingml/2011/main" val="1"/>
             </a:ext>
           </a:extLst>
         </p:spPr>
@@ -6621,7 +6621,7 @@
           </a:ln>
           <a:extLst>
             <a:ext uri="{C572A759-6A51-4108-AA02-DFA0A04FC94B}">
-              <ma14:wrappingTextBoxFlag xmlns:ma14="http://schemas.microsoft.com/office/mac/drawingml/2011/main" xmlns="" val="1"/>
+              <ma14:wrappingTextBoxFlag xmlns="" xmlns:ma14="http://schemas.microsoft.com/office/mac/drawingml/2011/main" val="1"/>
             </a:ext>
           </a:extLst>
         </p:spPr>
@@ -6675,7 +6675,7 @@
           </a:effectLst>
           <a:extLst>
             <a:ext uri="{C572A759-6A51-4108-AA02-DFA0A04FC94B}">
-              <ma14:wrappingTextBoxFlag xmlns:ma14="http://schemas.microsoft.com/office/mac/drawingml/2011/main" xmlns="" val="1"/>
+              <ma14:wrappingTextBoxFlag xmlns="" xmlns:ma14="http://schemas.microsoft.com/office/mac/drawingml/2011/main" val="1"/>
             </a:ext>
           </a:extLst>
         </p:spPr>
@@ -6734,7 +6734,7 @@
           </a:effectLst>
           <a:extLst>
             <a:ext uri="{C572A759-6A51-4108-AA02-DFA0A04FC94B}">
-              <ma14:wrappingTextBoxFlag xmlns:ma14="http://schemas.microsoft.com/office/mac/drawingml/2011/main" xmlns="" val="1"/>
+              <ma14:wrappingTextBoxFlag xmlns="" xmlns:ma14="http://schemas.microsoft.com/office/mac/drawingml/2011/main" val="1"/>
             </a:ext>
           </a:extLst>
         </p:spPr>
@@ -6793,7 +6793,7 @@
           </a:effectLst>
           <a:extLst>
             <a:ext uri="{C572A759-6A51-4108-AA02-DFA0A04FC94B}">
-              <ma14:wrappingTextBoxFlag xmlns:ma14="http://schemas.microsoft.com/office/mac/drawingml/2011/main" xmlns="" val="1"/>
+              <ma14:wrappingTextBoxFlag xmlns="" xmlns:ma14="http://schemas.microsoft.com/office/mac/drawingml/2011/main" val="1"/>
             </a:ext>
           </a:extLst>
         </p:spPr>
@@ -6882,7 +6882,7 @@
           </a:effectLst>
           <a:extLst>
             <a:ext uri="{C572A759-6A51-4108-AA02-DFA0A04FC94B}">
-              <ma14:wrappingTextBoxFlag xmlns:ma14="http://schemas.microsoft.com/office/mac/drawingml/2011/main" xmlns="" val="1"/>
+              <ma14:wrappingTextBoxFlag xmlns="" xmlns:ma14="http://schemas.microsoft.com/office/mac/drawingml/2011/main" val="1"/>
             </a:ext>
           </a:extLst>
         </p:spPr>
@@ -6941,7 +6941,7 @@
           </a:effectLst>
           <a:extLst>
             <a:ext uri="{C572A759-6A51-4108-AA02-DFA0A04FC94B}">
-              <ma14:wrappingTextBoxFlag xmlns:ma14="http://schemas.microsoft.com/office/mac/drawingml/2011/main" xmlns="" val="1"/>
+              <ma14:wrappingTextBoxFlag xmlns="" xmlns:ma14="http://schemas.microsoft.com/office/mac/drawingml/2011/main" val="1"/>
             </a:ext>
           </a:extLst>
         </p:spPr>
@@ -7210,7 +7210,7 @@
           </a:effectLst>
           <a:extLst>
             <a:ext uri="{C572A759-6A51-4108-AA02-DFA0A04FC94B}">
-              <ma14:wrappingTextBoxFlag xmlns:ma14="http://schemas.microsoft.com/office/mac/drawingml/2011/main" xmlns="" val="1"/>
+              <ma14:wrappingTextBoxFlag xmlns="" xmlns:ma14="http://schemas.microsoft.com/office/mac/drawingml/2011/main" val="1"/>
             </a:ext>
           </a:extLst>
         </p:spPr>
@@ -7269,7 +7269,7 @@
           </a:effectLst>
           <a:extLst>
             <a:ext uri="{C572A759-6A51-4108-AA02-DFA0A04FC94B}">
-              <ma14:wrappingTextBoxFlag xmlns:ma14="http://schemas.microsoft.com/office/mac/drawingml/2011/main" xmlns="" val="1"/>
+              <ma14:wrappingTextBoxFlag xmlns="" xmlns:ma14="http://schemas.microsoft.com/office/mac/drawingml/2011/main" val="1"/>
             </a:ext>
           </a:extLst>
         </p:spPr>
@@ -7326,7 +7326,7 @@
           </a:ln>
           <a:extLst>
             <a:ext uri="{C572A759-6A51-4108-AA02-DFA0A04FC94B}">
-              <ma14:wrappingTextBoxFlag xmlns:ma14="http://schemas.microsoft.com/office/mac/drawingml/2011/main" xmlns="" val="1"/>
+              <ma14:wrappingTextBoxFlag xmlns="" xmlns:ma14="http://schemas.microsoft.com/office/mac/drawingml/2011/main" val="1"/>
             </a:ext>
           </a:extLst>
         </p:spPr>
@@ -7410,7 +7410,7 @@
           </a:effectLst>
           <a:extLst>
             <a:ext uri="{C572A759-6A51-4108-AA02-DFA0A04FC94B}">
-              <ma14:wrappingTextBoxFlag xmlns:ma14="http://schemas.microsoft.com/office/mac/drawingml/2011/main" xmlns="" val="1"/>
+              <ma14:wrappingTextBoxFlag xmlns="" xmlns:ma14="http://schemas.microsoft.com/office/mac/drawingml/2011/main" val="1"/>
             </a:ext>
           </a:extLst>
         </p:spPr>
@@ -7469,7 +7469,7 @@
           </a:effectLst>
           <a:extLst>
             <a:ext uri="{C572A759-6A51-4108-AA02-DFA0A04FC94B}">
-              <ma14:wrappingTextBoxFlag xmlns:ma14="http://schemas.microsoft.com/office/mac/drawingml/2011/main" xmlns="" val="1"/>
+              <ma14:wrappingTextBoxFlag xmlns="" xmlns:ma14="http://schemas.microsoft.com/office/mac/drawingml/2011/main" val="1"/>
             </a:ext>
           </a:extLst>
         </p:spPr>
@@ -7528,7 +7528,7 @@
           </a:effectLst>
           <a:extLst>
             <a:ext uri="{C572A759-6A51-4108-AA02-DFA0A04FC94B}">
-              <ma14:wrappingTextBoxFlag xmlns:ma14="http://schemas.microsoft.com/office/mac/drawingml/2011/main" xmlns="" val="1"/>
+              <ma14:wrappingTextBoxFlag xmlns="" xmlns:ma14="http://schemas.microsoft.com/office/mac/drawingml/2011/main" val="1"/>
             </a:ext>
           </a:extLst>
         </p:spPr>
@@ -7587,7 +7587,7 @@
           </a:effectLst>
           <a:extLst>
             <a:ext uri="{C572A759-6A51-4108-AA02-DFA0A04FC94B}">
-              <ma14:wrappingTextBoxFlag xmlns:ma14="http://schemas.microsoft.com/office/mac/drawingml/2011/main" xmlns="" val="1"/>
+              <ma14:wrappingTextBoxFlag xmlns="" xmlns:ma14="http://schemas.microsoft.com/office/mac/drawingml/2011/main" val="1"/>
             </a:ext>
           </a:extLst>
         </p:spPr>
@@ -7654,7 +7654,7 @@
           </a:effectLst>
           <a:extLst>
             <a:ext uri="{C572A759-6A51-4108-AA02-DFA0A04FC94B}">
-              <ma14:wrappingTextBoxFlag xmlns:ma14="http://schemas.microsoft.com/office/mac/drawingml/2011/main" xmlns="" val="1"/>
+              <ma14:wrappingTextBoxFlag xmlns="" xmlns:ma14="http://schemas.microsoft.com/office/mac/drawingml/2011/main" val="1"/>
             </a:ext>
           </a:extLst>
         </p:spPr>
@@ -7721,7 +7721,7 @@
           </a:effectLst>
           <a:extLst>
             <a:ext uri="{C572A759-6A51-4108-AA02-DFA0A04FC94B}">
-              <ma14:wrappingTextBoxFlag xmlns:ma14="http://schemas.microsoft.com/office/mac/drawingml/2011/main" xmlns="" val="1"/>
+              <ma14:wrappingTextBoxFlag xmlns="" xmlns:ma14="http://schemas.microsoft.com/office/mac/drawingml/2011/main" val="1"/>
             </a:ext>
           </a:extLst>
         </p:spPr>
@@ -7838,7 +7838,7 @@
           </a:ln>
           <a:extLst>
             <a:ext uri="{C572A759-6A51-4108-AA02-DFA0A04FC94B}">
-              <ma14:wrappingTextBoxFlag xmlns:ma14="http://schemas.microsoft.com/office/mac/drawingml/2011/main" xmlns="" val="1"/>
+              <ma14:wrappingTextBoxFlag xmlns="" xmlns:ma14="http://schemas.microsoft.com/office/mac/drawingml/2011/main" val="1"/>
             </a:ext>
           </a:extLst>
         </p:spPr>
@@ -7880,7 +7880,7 @@
           </a:ln>
           <a:extLst>
             <a:ext uri="{C572A759-6A51-4108-AA02-DFA0A04FC94B}">
-              <ma14:wrappingTextBoxFlag xmlns:ma14="http://schemas.microsoft.com/office/mac/drawingml/2011/main" xmlns="" val="1"/>
+              <ma14:wrappingTextBoxFlag xmlns="" xmlns:ma14="http://schemas.microsoft.com/office/mac/drawingml/2011/main" val="1"/>
             </a:ext>
           </a:extLst>
         </p:spPr>
@@ -7922,7 +7922,7 @@
           </a:ln>
           <a:extLst>
             <a:ext uri="{C572A759-6A51-4108-AA02-DFA0A04FC94B}">
-              <ma14:wrappingTextBoxFlag xmlns:ma14="http://schemas.microsoft.com/office/mac/drawingml/2011/main" xmlns="" val="1"/>
+              <ma14:wrappingTextBoxFlag xmlns="" xmlns:ma14="http://schemas.microsoft.com/office/mac/drawingml/2011/main" val="1"/>
             </a:ext>
           </a:extLst>
         </p:spPr>
@@ -8036,7 +8036,7 @@
           </a:effectLst>
           <a:extLst>
             <a:ext uri="{C572A759-6A51-4108-AA02-DFA0A04FC94B}">
-              <ma14:wrappingTextBoxFlag xmlns:ma14="http://schemas.microsoft.com/office/mac/drawingml/2011/main" xmlns="" val="1"/>
+              <ma14:wrappingTextBoxFlag xmlns="" xmlns:ma14="http://schemas.microsoft.com/office/mac/drawingml/2011/main" val="1"/>
             </a:ext>
           </a:extLst>
         </p:spPr>
@@ -8097,7 +8097,7 @@
           </a:effectLst>
           <a:extLst>
             <a:ext uri="{C572A759-6A51-4108-AA02-DFA0A04FC94B}">
-              <ma14:wrappingTextBoxFlag xmlns:ma14="http://schemas.microsoft.com/office/mac/drawingml/2011/main" xmlns="" val="1"/>
+              <ma14:wrappingTextBoxFlag xmlns="" xmlns:ma14="http://schemas.microsoft.com/office/mac/drawingml/2011/main" val="1"/>
             </a:ext>
           </a:extLst>
         </p:spPr>
@@ -8181,7 +8181,7 @@
           </a:effectLst>
           <a:extLst>
             <a:ext uri="{C572A759-6A51-4108-AA02-DFA0A04FC94B}">
-              <ma14:wrappingTextBoxFlag xmlns:ma14="http://schemas.microsoft.com/office/mac/drawingml/2011/main" xmlns="" val="1"/>
+              <ma14:wrappingTextBoxFlag xmlns="" xmlns:ma14="http://schemas.microsoft.com/office/mac/drawingml/2011/main" val="1"/>
             </a:ext>
           </a:extLst>
         </p:spPr>
@@ -8248,7 +8248,7 @@
           </a:ln>
           <a:extLst>
             <a:ext uri="{C572A759-6A51-4108-AA02-DFA0A04FC94B}">
-              <ma14:wrappingTextBoxFlag xmlns:ma14="http://schemas.microsoft.com/office/mac/drawingml/2011/main" xmlns="" val="1"/>
+              <ma14:wrappingTextBoxFlag xmlns="" xmlns:ma14="http://schemas.microsoft.com/office/mac/drawingml/2011/main" val="1"/>
             </a:ext>
           </a:extLst>
         </p:spPr>
@@ -8287,7 +8287,7 @@
           </a:ln>
           <a:extLst>
             <a:ext uri="{C572A759-6A51-4108-AA02-DFA0A04FC94B}">
-              <ma14:wrappingTextBoxFlag xmlns:ma14="http://schemas.microsoft.com/office/mac/drawingml/2011/main" xmlns="" val="1"/>
+              <ma14:wrappingTextBoxFlag xmlns="" xmlns:ma14="http://schemas.microsoft.com/office/mac/drawingml/2011/main" val="1"/>
             </a:ext>
           </a:extLst>
         </p:spPr>
@@ -8326,7 +8326,7 @@
           </a:ln>
           <a:extLst>
             <a:ext uri="{C572A759-6A51-4108-AA02-DFA0A04FC94B}">
-              <ma14:wrappingTextBoxFlag xmlns:ma14="http://schemas.microsoft.com/office/mac/drawingml/2011/main" xmlns="" val="1"/>
+              <ma14:wrappingTextBoxFlag xmlns="" xmlns:ma14="http://schemas.microsoft.com/office/mac/drawingml/2011/main" val="1"/>
             </a:ext>
           </a:extLst>
         </p:spPr>
@@ -8375,7 +8375,7 @@
           </a:effectLst>
           <a:extLst>
             <a:ext uri="{C572A759-6A51-4108-AA02-DFA0A04FC94B}">
-              <ma14:wrappingTextBoxFlag xmlns:ma14="http://schemas.microsoft.com/office/mac/drawingml/2011/main" xmlns="" val="1"/>
+              <ma14:wrappingTextBoxFlag xmlns="" xmlns:ma14="http://schemas.microsoft.com/office/mac/drawingml/2011/main" val="1"/>
             </a:ext>
           </a:extLst>
         </p:spPr>
@@ -8422,7 +8422,7 @@
           </a:effectLst>
           <a:extLst>
             <a:ext uri="{C572A759-6A51-4108-AA02-DFA0A04FC94B}">
-              <ma14:wrappingTextBoxFlag xmlns:ma14="http://schemas.microsoft.com/office/mac/drawingml/2011/main" xmlns="" val="1"/>
+              <ma14:wrappingTextBoxFlag xmlns="" xmlns:ma14="http://schemas.microsoft.com/office/mac/drawingml/2011/main" val="1"/>
             </a:ext>
           </a:extLst>
         </p:spPr>
@@ -8549,7 +8549,7 @@
           </a:ln>
           <a:extLst>
             <a:ext uri="{C572A759-6A51-4108-AA02-DFA0A04FC94B}">
-              <ma14:wrappingTextBoxFlag xmlns:ma14="http://schemas.microsoft.com/office/mac/drawingml/2011/main" xmlns="" val="1"/>
+              <ma14:wrappingTextBoxFlag xmlns="" xmlns:ma14="http://schemas.microsoft.com/office/mac/drawingml/2011/main" val="1"/>
             </a:ext>
           </a:extLst>
         </p:spPr>
@@ -8588,7 +8588,7 @@
           </a:ln>
           <a:extLst>
             <a:ext uri="{C572A759-6A51-4108-AA02-DFA0A04FC94B}">
-              <ma14:wrappingTextBoxFlag xmlns:ma14="http://schemas.microsoft.com/office/mac/drawingml/2011/main" xmlns="" val="1"/>
+              <ma14:wrappingTextBoxFlag xmlns="" xmlns:ma14="http://schemas.microsoft.com/office/mac/drawingml/2011/main" val="1"/>
             </a:ext>
           </a:extLst>
         </p:spPr>
@@ -8627,7 +8627,7 @@
           </a:ln>
           <a:extLst>
             <a:ext uri="{C572A759-6A51-4108-AA02-DFA0A04FC94B}">
-              <ma14:wrappingTextBoxFlag xmlns:ma14="http://schemas.microsoft.com/office/mac/drawingml/2011/main" xmlns="" val="1"/>
+              <ma14:wrappingTextBoxFlag xmlns="" xmlns:ma14="http://schemas.microsoft.com/office/mac/drawingml/2011/main" val="1"/>
             </a:ext>
           </a:extLst>
         </p:spPr>
@@ -8681,7 +8681,7 @@
           </a:effectLst>
           <a:extLst>
             <a:ext uri="{C572A759-6A51-4108-AA02-DFA0A04FC94B}">
-              <ma14:wrappingTextBoxFlag xmlns:ma14="http://schemas.microsoft.com/office/mac/drawingml/2011/main" xmlns="" val="1"/>
+              <ma14:wrappingTextBoxFlag xmlns="" xmlns:ma14="http://schemas.microsoft.com/office/mac/drawingml/2011/main" val="1"/>
             </a:ext>
           </a:extLst>
         </p:spPr>
@@ -8740,7 +8740,7 @@
           </a:effectLst>
           <a:extLst>
             <a:ext uri="{C572A759-6A51-4108-AA02-DFA0A04FC94B}">
-              <ma14:wrappingTextBoxFlag xmlns:ma14="http://schemas.microsoft.com/office/mac/drawingml/2011/main" xmlns="" val="1"/>
+              <ma14:wrappingTextBoxFlag xmlns="" xmlns:ma14="http://schemas.microsoft.com/office/mac/drawingml/2011/main" val="1"/>
             </a:ext>
           </a:extLst>
         </p:spPr>
@@ -8799,7 +8799,7 @@
           </a:effectLst>
           <a:extLst>
             <a:ext uri="{C572A759-6A51-4108-AA02-DFA0A04FC94B}">
-              <ma14:wrappingTextBoxFlag xmlns:ma14="http://schemas.microsoft.com/office/mac/drawingml/2011/main" xmlns="" val="1"/>
+              <ma14:wrappingTextBoxFlag xmlns="" xmlns:ma14="http://schemas.microsoft.com/office/mac/drawingml/2011/main" val="1"/>
             </a:ext>
           </a:extLst>
         </p:spPr>
@@ -8843,7 +8843,7 @@
           </a:ln>
           <a:extLst>
             <a:ext uri="{C572A759-6A51-4108-AA02-DFA0A04FC94B}">
-              <ma14:wrappingTextBoxFlag xmlns:ma14="http://schemas.microsoft.com/office/mac/drawingml/2011/main" xmlns="" val="1"/>
+              <ma14:wrappingTextBoxFlag xmlns="" xmlns:ma14="http://schemas.microsoft.com/office/mac/drawingml/2011/main" val="1"/>
             </a:ext>
           </a:extLst>
         </p:spPr>
@@ -8882,7 +8882,7 @@
           </a:ln>
           <a:extLst>
             <a:ext uri="{C572A759-6A51-4108-AA02-DFA0A04FC94B}">
-              <ma14:wrappingTextBoxFlag xmlns:ma14="http://schemas.microsoft.com/office/mac/drawingml/2011/main" xmlns="" val="1"/>
+              <ma14:wrappingTextBoxFlag xmlns="" xmlns:ma14="http://schemas.microsoft.com/office/mac/drawingml/2011/main" val="1"/>
             </a:ext>
           </a:extLst>
         </p:spPr>
@@ -8921,7 +8921,7 @@
           </a:ln>
           <a:extLst>
             <a:ext uri="{C572A759-6A51-4108-AA02-DFA0A04FC94B}">
-              <ma14:wrappingTextBoxFlag xmlns:ma14="http://schemas.microsoft.com/office/mac/drawingml/2011/main" xmlns="" val="1"/>
+              <ma14:wrappingTextBoxFlag xmlns="" xmlns:ma14="http://schemas.microsoft.com/office/mac/drawingml/2011/main" val="1"/>
             </a:ext>
           </a:extLst>
         </p:spPr>
@@ -8960,7 +8960,7 @@
           </a:ln>
           <a:extLst>
             <a:ext uri="{C572A759-6A51-4108-AA02-DFA0A04FC94B}">
-              <ma14:wrappingTextBoxFlag xmlns:ma14="http://schemas.microsoft.com/office/mac/drawingml/2011/main" xmlns="" val="1"/>
+              <ma14:wrappingTextBoxFlag xmlns="" xmlns:ma14="http://schemas.microsoft.com/office/mac/drawingml/2011/main" val="1"/>
             </a:ext>
           </a:extLst>
         </p:spPr>
@@ -8999,7 +8999,7 @@
           </a:ln>
           <a:extLst>
             <a:ext uri="{C572A759-6A51-4108-AA02-DFA0A04FC94B}">
-              <ma14:wrappingTextBoxFlag xmlns:ma14="http://schemas.microsoft.com/office/mac/drawingml/2011/main" xmlns="" val="1"/>
+              <ma14:wrappingTextBoxFlag xmlns="" xmlns:ma14="http://schemas.microsoft.com/office/mac/drawingml/2011/main" val="1"/>
             </a:ext>
           </a:extLst>
         </p:spPr>
@@ -9038,7 +9038,7 @@
           </a:ln>
           <a:extLst>
             <a:ext uri="{C572A759-6A51-4108-AA02-DFA0A04FC94B}">
-              <ma14:wrappingTextBoxFlag xmlns:ma14="http://schemas.microsoft.com/office/mac/drawingml/2011/main" xmlns="" val="1"/>
+              <ma14:wrappingTextBoxFlag xmlns="" xmlns:ma14="http://schemas.microsoft.com/office/mac/drawingml/2011/main" val="1"/>
             </a:ext>
           </a:extLst>
         </p:spPr>
@@ -9084,7 +9084,7 @@
           </a:ln>
           <a:extLst>
             <a:ext uri="{C572A759-6A51-4108-AA02-DFA0A04FC94B}">
-              <ma14:wrappingTextBoxFlag xmlns:ma14="http://schemas.microsoft.com/office/mac/drawingml/2011/main" xmlns="" val="1"/>
+              <ma14:wrappingTextBoxFlag xmlns="" xmlns:ma14="http://schemas.microsoft.com/office/mac/drawingml/2011/main" val="1"/>
             </a:ext>
           </a:extLst>
         </p:spPr>
@@ -9130,7 +9130,7 @@
           </a:ln>
           <a:extLst>
             <a:ext uri="{C572A759-6A51-4108-AA02-DFA0A04FC94B}">
-              <ma14:wrappingTextBoxFlag xmlns:ma14="http://schemas.microsoft.com/office/mac/drawingml/2011/main" xmlns="" val="1"/>
+              <ma14:wrappingTextBoxFlag xmlns="" xmlns:ma14="http://schemas.microsoft.com/office/mac/drawingml/2011/main" val="1"/>
             </a:ext>
           </a:extLst>
         </p:spPr>
@@ -9176,7 +9176,7 @@
           </a:ln>
           <a:extLst>
             <a:ext uri="{C572A759-6A51-4108-AA02-DFA0A04FC94B}">
-              <ma14:wrappingTextBoxFlag xmlns:ma14="http://schemas.microsoft.com/office/mac/drawingml/2011/main" xmlns="" val="1"/>
+              <ma14:wrappingTextBoxFlag xmlns="" xmlns:ma14="http://schemas.microsoft.com/office/mac/drawingml/2011/main" val="1"/>
             </a:ext>
           </a:extLst>
         </p:spPr>
@@ -9237,7 +9237,7 @@
           </a:effectLst>
           <a:extLst>
             <a:ext uri="{C572A759-6A51-4108-AA02-DFA0A04FC94B}">
-              <ma14:wrappingTextBoxFlag xmlns:ma14="http://schemas.microsoft.com/office/mac/drawingml/2011/main" xmlns="" val="1"/>
+              <ma14:wrappingTextBoxFlag xmlns="" xmlns:ma14="http://schemas.microsoft.com/office/mac/drawingml/2011/main" val="1"/>
             </a:ext>
           </a:extLst>
         </p:spPr>
@@ -9291,7 +9291,7 @@
           </a:effectLst>
           <a:extLst>
             <a:ext uri="{C572A759-6A51-4108-AA02-DFA0A04FC94B}">
-              <ma14:wrappingTextBoxFlag xmlns:ma14="http://schemas.microsoft.com/office/mac/drawingml/2011/main" xmlns="" val="1"/>
+              <ma14:wrappingTextBoxFlag xmlns="" xmlns:ma14="http://schemas.microsoft.com/office/mac/drawingml/2011/main" val="1"/>
             </a:ext>
           </a:extLst>
         </p:spPr>
@@ -9328,7 +9328,7 @@
           </a:ln>
           <a:extLst>
             <a:ext uri="{C572A759-6A51-4108-AA02-DFA0A04FC94B}">
-              <ma14:wrappingTextBoxFlag xmlns:ma14="http://schemas.microsoft.com/office/mac/drawingml/2011/main" xmlns="" val="1"/>
+              <ma14:wrappingTextBoxFlag xmlns="" xmlns:ma14="http://schemas.microsoft.com/office/mac/drawingml/2011/main" val="1"/>
             </a:ext>
           </a:extLst>
         </p:spPr>
@@ -9399,7 +9399,7 @@
           </a:effectLst>
           <a:extLst>
             <a:ext uri="{C572A759-6A51-4108-AA02-DFA0A04FC94B}">
-              <ma14:wrappingTextBoxFlag xmlns:ma14="http://schemas.microsoft.com/office/mac/drawingml/2011/main" xmlns="" val="1"/>
+              <ma14:wrappingTextBoxFlag xmlns="" xmlns:ma14="http://schemas.microsoft.com/office/mac/drawingml/2011/main" val="1"/>
             </a:ext>
           </a:extLst>
         </p:spPr>
@@ -9458,7 +9458,7 @@
           </a:effectLst>
           <a:extLst>
             <a:ext uri="{C572A759-6A51-4108-AA02-DFA0A04FC94B}">
-              <ma14:wrappingTextBoxFlag xmlns:ma14="http://schemas.microsoft.com/office/mac/drawingml/2011/main" xmlns="" val="1"/>
+              <ma14:wrappingTextBoxFlag xmlns="" xmlns:ma14="http://schemas.microsoft.com/office/mac/drawingml/2011/main" val="1"/>
             </a:ext>
           </a:extLst>
         </p:spPr>
@@ -9512,7 +9512,7 @@
           </a:effectLst>
           <a:extLst>
             <a:ext uri="{C572A759-6A51-4108-AA02-DFA0A04FC94B}">
-              <ma14:wrappingTextBoxFlag xmlns:ma14="http://schemas.microsoft.com/office/mac/drawingml/2011/main" xmlns="" val="1"/>
+              <ma14:wrappingTextBoxFlag xmlns="" xmlns:ma14="http://schemas.microsoft.com/office/mac/drawingml/2011/main" val="1"/>
             </a:ext>
           </a:extLst>
         </p:spPr>
@@ -9564,7 +9564,7 @@
           </a:effectLst>
           <a:extLst>
             <a:ext uri="{C572A759-6A51-4108-AA02-DFA0A04FC94B}">
-              <ma14:wrappingTextBoxFlag xmlns:ma14="http://schemas.microsoft.com/office/mac/drawingml/2011/main" xmlns="" val="1"/>
+              <ma14:wrappingTextBoxFlag xmlns="" xmlns:ma14="http://schemas.microsoft.com/office/mac/drawingml/2011/main" val="1"/>
             </a:ext>
           </a:extLst>
         </p:spPr>
@@ -9608,7 +9608,7 @@
           </a:ln>
           <a:extLst>
             <a:ext uri="{C572A759-6A51-4108-AA02-DFA0A04FC94B}">
-              <ma14:wrappingTextBoxFlag xmlns:ma14="http://schemas.microsoft.com/office/mac/drawingml/2011/main" xmlns="" val="1"/>
+              <ma14:wrappingTextBoxFlag xmlns="" xmlns:ma14="http://schemas.microsoft.com/office/mac/drawingml/2011/main" val="1"/>
             </a:ext>
           </a:extLst>
         </p:spPr>
@@ -9647,7 +9647,7 @@
           </a:ln>
           <a:extLst>
             <a:ext uri="{C572A759-6A51-4108-AA02-DFA0A04FC94B}">
-              <ma14:wrappingTextBoxFlag xmlns:ma14="http://schemas.microsoft.com/office/mac/drawingml/2011/main" xmlns="" val="1"/>
+              <ma14:wrappingTextBoxFlag xmlns="" xmlns:ma14="http://schemas.microsoft.com/office/mac/drawingml/2011/main" val="1"/>
             </a:ext>
           </a:extLst>
         </p:spPr>
@@ -9723,7 +9723,7 @@
           </a:ln>
           <a:extLst>
             <a:ext uri="{C572A759-6A51-4108-AA02-DFA0A04FC94B}">
-              <ma14:wrappingTextBoxFlag xmlns:ma14="http://schemas.microsoft.com/office/mac/drawingml/2011/main" xmlns="" val="1"/>
+              <ma14:wrappingTextBoxFlag xmlns="" xmlns:ma14="http://schemas.microsoft.com/office/mac/drawingml/2011/main" val="1"/>
             </a:ext>
           </a:extLst>
         </p:spPr>
@@ -9775,7 +9775,7 @@
           </a:effectLst>
           <a:extLst>
             <a:ext uri="{C572A759-6A51-4108-AA02-DFA0A04FC94B}">
-              <ma14:wrappingTextBoxFlag xmlns:ma14="http://schemas.microsoft.com/office/mac/drawingml/2011/main" xmlns="" val="1"/>
+              <ma14:wrappingTextBoxFlag xmlns="" xmlns:ma14="http://schemas.microsoft.com/office/mac/drawingml/2011/main" val="1"/>
             </a:ext>
           </a:extLst>
         </p:spPr>
@@ -9827,7 +9827,7 @@
           </a:ln>
           <a:extLst>
             <a:ext uri="{C572A759-6A51-4108-AA02-DFA0A04FC94B}">
-              <ma14:wrappingTextBoxFlag xmlns:ma14="http://schemas.microsoft.com/office/mac/drawingml/2011/main" xmlns="" val="1"/>
+              <ma14:wrappingTextBoxFlag xmlns="" xmlns:ma14="http://schemas.microsoft.com/office/mac/drawingml/2011/main" val="1"/>
             </a:ext>
           </a:extLst>
         </p:spPr>
@@ -9888,7 +9888,7 @@
           </a:ln>
           <a:extLst>
             <a:ext uri="{C572A759-6A51-4108-AA02-DFA0A04FC94B}">
-              <ma14:wrappingTextBoxFlag xmlns:ma14="http://schemas.microsoft.com/office/mac/drawingml/2011/main" xmlns="" val="1"/>
+              <ma14:wrappingTextBoxFlag xmlns="" xmlns:ma14="http://schemas.microsoft.com/office/mac/drawingml/2011/main" val="1"/>
             </a:ext>
           </a:extLst>
         </p:spPr>
@@ -9940,7 +9940,7 @@
           </a:effectLst>
           <a:extLst>
             <a:ext uri="{C572A759-6A51-4108-AA02-DFA0A04FC94B}">
-              <ma14:wrappingTextBoxFlag xmlns:ma14="http://schemas.microsoft.com/office/mac/drawingml/2011/main" xmlns="" val="1"/>
+              <ma14:wrappingTextBoxFlag xmlns="" xmlns:ma14="http://schemas.microsoft.com/office/mac/drawingml/2011/main" val="1"/>
             </a:ext>
           </a:extLst>
         </p:spPr>
@@ -10114,7 +10114,7 @@
           </a:prstGeom>
           <a:extLst>
             <a:ext uri="{C572A759-6A51-4108-AA02-DFA0A04FC94B}">
-              <ma14:wrappingTextBoxFlag xmlns:ma14="http://schemas.microsoft.com/office/mac/drawingml/2011/main" xmlns="" val="1"/>
+              <ma14:wrappingTextBoxFlag xmlns="" xmlns:ma14="http://schemas.microsoft.com/office/mac/drawingml/2011/main" val="1"/>
             </a:ext>
           </a:extLst>
         </p:spPr>
@@ -11677,7 +11677,7 @@
           </a:prstGeom>
           <a:extLst>
             <a:ext uri="{C572A759-6A51-4108-AA02-DFA0A04FC94B}">
-              <ma14:wrappingTextBoxFlag xmlns:ma14="http://schemas.microsoft.com/office/mac/drawingml/2011/main" xmlns="" val="1"/>
+              <ma14:wrappingTextBoxFlag xmlns="" xmlns:ma14="http://schemas.microsoft.com/office/mac/drawingml/2011/main" val="1"/>
             </a:ext>
           </a:extLst>
         </p:spPr>
@@ -11924,7 +11924,7 @@
           </a:prstGeom>
           <a:extLst>
             <a:ext uri="{C572A759-6A51-4108-AA02-DFA0A04FC94B}">
-              <ma14:wrappingTextBoxFlag xmlns:ma14="http://schemas.microsoft.com/office/mac/drawingml/2011/main" xmlns="" val="1"/>
+              <ma14:wrappingTextBoxFlag xmlns="" xmlns:ma14="http://schemas.microsoft.com/office/mac/drawingml/2011/main" val="1"/>
             </a:ext>
           </a:extLst>
         </p:spPr>
@@ -12006,7 +12006,7 @@
           </a:prstGeom>
           <a:extLst>
             <a:ext uri="{C572A759-6A51-4108-AA02-DFA0A04FC94B}">
-              <ma14:wrappingTextBoxFlag xmlns:ma14="http://schemas.microsoft.com/office/mac/drawingml/2011/main" xmlns="" val="1"/>
+              <ma14:wrappingTextBoxFlag xmlns="" xmlns:ma14="http://schemas.microsoft.com/office/mac/drawingml/2011/main" val="1"/>
             </a:ext>
           </a:extLst>
         </p:spPr>
@@ -12142,7 +12142,7 @@
           </a:prstGeom>
           <a:extLst>
             <a:ext uri="{C572A759-6A51-4108-AA02-DFA0A04FC94B}">
-              <ma14:wrappingTextBoxFlag xmlns:ma14="http://schemas.microsoft.com/office/mac/drawingml/2011/main" xmlns="" val="1"/>
+              <ma14:wrappingTextBoxFlag xmlns="" xmlns:ma14="http://schemas.microsoft.com/office/mac/drawingml/2011/main" val="1"/>
             </a:ext>
           </a:extLst>
         </p:spPr>
@@ -12217,7 +12217,7 @@
           </a:effectLst>
           <a:extLst>
             <a:ext uri="{C572A759-6A51-4108-AA02-DFA0A04FC94B}">
-              <ma14:wrappingTextBoxFlag xmlns:ma14="http://schemas.microsoft.com/office/mac/drawingml/2011/main" xmlns="" val="1"/>
+              <ma14:wrappingTextBoxFlag xmlns="" xmlns:ma14="http://schemas.microsoft.com/office/mac/drawingml/2011/main" val="1"/>
             </a:ext>
           </a:extLst>
         </p:spPr>
@@ -12293,7 +12293,7 @@
           </a:effectLst>
           <a:extLst>
             <a:ext uri="{C572A759-6A51-4108-AA02-DFA0A04FC94B}">
-              <ma14:wrappingTextBoxFlag xmlns:ma14="http://schemas.microsoft.com/office/mac/drawingml/2011/main" xmlns="" val="1"/>
+              <ma14:wrappingTextBoxFlag xmlns="" xmlns:ma14="http://schemas.microsoft.com/office/mac/drawingml/2011/main" val="1"/>
             </a:ext>
           </a:extLst>
         </p:spPr>
@@ -12346,7 +12346,7 @@
           </a:effectLst>
           <a:extLst>
             <a:ext uri="{C572A759-6A51-4108-AA02-DFA0A04FC94B}">
-              <ma14:wrappingTextBoxFlag xmlns:ma14="http://schemas.microsoft.com/office/mac/drawingml/2011/main" xmlns="" val="1"/>
+              <ma14:wrappingTextBoxFlag xmlns="" xmlns:ma14="http://schemas.microsoft.com/office/mac/drawingml/2011/main" val="1"/>
             </a:ext>
           </a:extLst>
         </p:spPr>
@@ -12399,7 +12399,7 @@
           </a:effectLst>
           <a:extLst>
             <a:ext uri="{C572A759-6A51-4108-AA02-DFA0A04FC94B}">
-              <ma14:wrappingTextBoxFlag xmlns:ma14="http://schemas.microsoft.com/office/mac/drawingml/2011/main" xmlns="" val="1"/>
+              <ma14:wrappingTextBoxFlag xmlns="" xmlns:ma14="http://schemas.microsoft.com/office/mac/drawingml/2011/main" val="1"/>
             </a:ext>
           </a:extLst>
         </p:spPr>
@@ -12578,7 +12578,7 @@
           </a:prstGeom>
           <a:extLst>
             <a:ext uri="{C572A759-6A51-4108-AA02-DFA0A04FC94B}">
-              <ma14:wrappingTextBoxFlag xmlns:ma14="http://schemas.microsoft.com/office/mac/drawingml/2011/main" xmlns="" val="1"/>
+              <ma14:wrappingTextBoxFlag xmlns="" xmlns:ma14="http://schemas.microsoft.com/office/mac/drawingml/2011/main" val="1"/>
             </a:ext>
           </a:extLst>
         </p:spPr>
@@ -12651,7 +12651,7 @@
           </a:effectLst>
           <a:extLst>
             <a:ext uri="{C572A759-6A51-4108-AA02-DFA0A04FC94B}">
-              <ma14:wrappingTextBoxFlag xmlns:ma14="http://schemas.microsoft.com/office/mac/drawingml/2011/main" xmlns="" val="1"/>
+              <ma14:wrappingTextBoxFlag xmlns="" xmlns:ma14="http://schemas.microsoft.com/office/mac/drawingml/2011/main" val="1"/>
             </a:ext>
           </a:extLst>
         </p:spPr>
@@ -12982,7 +12982,7 @@
           </a:ln>
           <a:extLst>
             <a:ext uri="{C572A759-6A51-4108-AA02-DFA0A04FC94B}">
-              <ma14:wrappingTextBoxFlag xmlns:ma14="http://schemas.microsoft.com/office/mac/drawingml/2011/main" xmlns="" val="1"/>
+              <ma14:wrappingTextBoxFlag xmlns="" xmlns:ma14="http://schemas.microsoft.com/office/mac/drawingml/2011/main" val="1"/>
             </a:ext>
           </a:extLst>
         </p:spPr>
@@ -13141,7 +13141,7 @@
           </a:ln>
           <a:extLst>
             <a:ext uri="{C572A759-6A51-4108-AA02-DFA0A04FC94B}">
-              <ma14:wrappingTextBoxFlag xmlns:ma14="http://schemas.microsoft.com/office/mac/drawingml/2011/main" xmlns="" val="1"/>
+              <ma14:wrappingTextBoxFlag xmlns="" xmlns:ma14="http://schemas.microsoft.com/office/mac/drawingml/2011/main" val="1"/>
             </a:ext>
           </a:extLst>
         </p:spPr>
@@ -13181,7 +13181,7 @@
           </a:prstGeom>
           <a:extLst>
             <a:ext uri="{C572A759-6A51-4108-AA02-DFA0A04FC94B}">
-              <ma14:wrappingTextBoxFlag xmlns:ma14="http://schemas.microsoft.com/office/mac/drawingml/2011/main" xmlns="" val="1"/>
+              <ma14:wrappingTextBoxFlag xmlns="" xmlns:ma14="http://schemas.microsoft.com/office/mac/drawingml/2011/main" val="1"/>
             </a:ext>
           </a:extLst>
         </p:spPr>
@@ -13252,7 +13252,7 @@
           </a:effectLst>
           <a:extLst>
             <a:ext uri="{C572A759-6A51-4108-AA02-DFA0A04FC94B}">
-              <ma14:wrappingTextBoxFlag xmlns:ma14="http://schemas.microsoft.com/office/mac/drawingml/2011/main" xmlns="" val="1"/>
+              <ma14:wrappingTextBoxFlag xmlns="" xmlns:ma14="http://schemas.microsoft.com/office/mac/drawingml/2011/main" val="1"/>
             </a:ext>
           </a:extLst>
         </p:spPr>
@@ -13301,7 +13301,7 @@
           </a:effectLst>
           <a:extLst>
             <a:ext uri="{C572A759-6A51-4108-AA02-DFA0A04FC94B}">
-              <ma14:wrappingTextBoxFlag xmlns:ma14="http://schemas.microsoft.com/office/mac/drawingml/2011/main" xmlns="" val="1"/>
+              <ma14:wrappingTextBoxFlag xmlns="" xmlns:ma14="http://schemas.microsoft.com/office/mac/drawingml/2011/main" val="1"/>
             </a:ext>
           </a:extLst>
         </p:spPr>
@@ -13348,7 +13348,7 @@
           </a:effectLst>
           <a:extLst>
             <a:ext uri="{C572A759-6A51-4108-AA02-DFA0A04FC94B}">
-              <ma14:wrappingTextBoxFlag xmlns:ma14="http://schemas.microsoft.com/office/mac/drawingml/2011/main" xmlns="" val="1"/>
+              <ma14:wrappingTextBoxFlag xmlns="" xmlns:ma14="http://schemas.microsoft.com/office/mac/drawingml/2011/main" val="1"/>
             </a:ext>
           </a:extLst>
         </p:spPr>
@@ -13397,7 +13397,7 @@
           </a:effectLst>
           <a:extLst>
             <a:ext uri="{C572A759-6A51-4108-AA02-DFA0A04FC94B}">
-              <ma14:wrappingTextBoxFlag xmlns:ma14="http://schemas.microsoft.com/office/mac/drawingml/2011/main" xmlns="" val="1"/>
+              <ma14:wrappingTextBoxFlag xmlns="" xmlns:ma14="http://schemas.microsoft.com/office/mac/drawingml/2011/main" val="1"/>
             </a:ext>
           </a:extLst>
         </p:spPr>
@@ -13437,7 +13437,7 @@
           </a:ln>
           <a:extLst>
             <a:ext uri="{C572A759-6A51-4108-AA02-DFA0A04FC94B}">
-              <ma14:wrappingTextBoxFlag xmlns:ma14="http://schemas.microsoft.com/office/mac/drawingml/2011/main" xmlns="" val="1"/>
+              <ma14:wrappingTextBoxFlag xmlns="" xmlns:ma14="http://schemas.microsoft.com/office/mac/drawingml/2011/main" val="1"/>
             </a:ext>
           </a:extLst>
         </p:spPr>
@@ -13477,7 +13477,7 @@
           </a:ln>
           <a:extLst>
             <a:ext uri="{C572A759-6A51-4108-AA02-DFA0A04FC94B}">
-              <ma14:wrappingTextBoxFlag xmlns:ma14="http://schemas.microsoft.com/office/mac/drawingml/2011/main" xmlns="" val="1"/>
+              <ma14:wrappingTextBoxFlag xmlns="" xmlns:ma14="http://schemas.microsoft.com/office/mac/drawingml/2011/main" val="1"/>
             </a:ext>
           </a:extLst>
         </p:spPr>
@@ -13517,7 +13517,7 @@
           </a:ln>
           <a:extLst>
             <a:ext uri="{C572A759-6A51-4108-AA02-DFA0A04FC94B}">
-              <ma14:wrappingTextBoxFlag xmlns:ma14="http://schemas.microsoft.com/office/mac/drawingml/2011/main" xmlns="" val="1"/>
+              <ma14:wrappingTextBoxFlag xmlns="" xmlns:ma14="http://schemas.microsoft.com/office/mac/drawingml/2011/main" val="1"/>
             </a:ext>
           </a:extLst>
         </p:spPr>
@@ -13557,7 +13557,7 @@
           </a:ln>
           <a:extLst>
             <a:ext uri="{C572A759-6A51-4108-AA02-DFA0A04FC94B}">
-              <ma14:wrappingTextBoxFlag xmlns:ma14="http://schemas.microsoft.com/office/mac/drawingml/2011/main" xmlns="" val="1"/>
+              <ma14:wrappingTextBoxFlag xmlns="" xmlns:ma14="http://schemas.microsoft.com/office/mac/drawingml/2011/main" val="1"/>
             </a:ext>
           </a:extLst>
         </p:spPr>
@@ -13594,7 +13594,7 @@
           </a:ln>
           <a:extLst>
             <a:ext uri="{C572A759-6A51-4108-AA02-DFA0A04FC94B}">
-              <ma14:wrappingTextBoxFlag xmlns:ma14="http://schemas.microsoft.com/office/mac/drawingml/2011/main" xmlns="" val="1"/>
+              <ma14:wrappingTextBoxFlag xmlns="" xmlns:ma14="http://schemas.microsoft.com/office/mac/drawingml/2011/main" val="1"/>
             </a:ext>
           </a:extLst>
         </p:spPr>
@@ -13633,7 +13633,7 @@
           </a:ln>
           <a:extLst>
             <a:ext uri="{C572A759-6A51-4108-AA02-DFA0A04FC94B}">
-              <ma14:wrappingTextBoxFlag xmlns:ma14="http://schemas.microsoft.com/office/mac/drawingml/2011/main" xmlns="" val="1"/>
+              <ma14:wrappingTextBoxFlag xmlns="" xmlns:ma14="http://schemas.microsoft.com/office/mac/drawingml/2011/main" val="1"/>
             </a:ext>
           </a:extLst>
         </p:spPr>
@@ -13732,7 +13732,7 @@
           </a:ln>
           <a:extLst>
             <a:ext uri="{C572A759-6A51-4108-AA02-DFA0A04FC94B}">
-              <ma14:wrappingTextBoxFlag xmlns:ma14="http://schemas.microsoft.com/office/mac/drawingml/2011/main" xmlns="" val="1"/>
+              <ma14:wrappingTextBoxFlag xmlns="" xmlns:ma14="http://schemas.microsoft.com/office/mac/drawingml/2011/main" val="1"/>
             </a:ext>
           </a:extLst>
         </p:spPr>
@@ -13774,7 +13774,7 @@
           </a:ln>
           <a:extLst>
             <a:ext uri="{C572A759-6A51-4108-AA02-DFA0A04FC94B}">
-              <ma14:wrappingTextBoxFlag xmlns:ma14="http://schemas.microsoft.com/office/mac/drawingml/2011/main" xmlns="" val="1"/>
+              <ma14:wrappingTextBoxFlag xmlns="" xmlns:ma14="http://schemas.microsoft.com/office/mac/drawingml/2011/main" val="1"/>
             </a:ext>
           </a:extLst>
         </p:spPr>
@@ -13814,7 +13814,7 @@
           </a:ln>
           <a:extLst>
             <a:ext uri="{C572A759-6A51-4108-AA02-DFA0A04FC94B}">
-              <ma14:wrappingTextBoxFlag xmlns:ma14="http://schemas.microsoft.com/office/mac/drawingml/2011/main" xmlns="" val="1"/>
+              <ma14:wrappingTextBoxFlag xmlns="" xmlns:ma14="http://schemas.microsoft.com/office/mac/drawingml/2011/main" val="1"/>
             </a:ext>
           </a:extLst>
         </p:spPr>
@@ -13854,7 +13854,7 @@
           </a:ln>
           <a:extLst>
             <a:ext uri="{C572A759-6A51-4108-AA02-DFA0A04FC94B}">
-              <ma14:wrappingTextBoxFlag xmlns:ma14="http://schemas.microsoft.com/office/mac/drawingml/2011/main" xmlns="" val="1"/>
+              <ma14:wrappingTextBoxFlag xmlns="" xmlns:ma14="http://schemas.microsoft.com/office/mac/drawingml/2011/main" val="1"/>
             </a:ext>
           </a:extLst>
         </p:spPr>
@@ -13894,7 +13894,7 @@
           </a:ln>
           <a:extLst>
             <a:ext uri="{C572A759-6A51-4108-AA02-DFA0A04FC94B}">
-              <ma14:wrappingTextBoxFlag xmlns:ma14="http://schemas.microsoft.com/office/mac/drawingml/2011/main" xmlns="" val="1"/>
+              <ma14:wrappingTextBoxFlag xmlns="" xmlns:ma14="http://schemas.microsoft.com/office/mac/drawingml/2011/main" val="1"/>
             </a:ext>
           </a:extLst>
         </p:spPr>
@@ -13934,7 +13934,7 @@
           </a:ln>
           <a:extLst>
             <a:ext uri="{C572A759-6A51-4108-AA02-DFA0A04FC94B}">
-              <ma14:wrappingTextBoxFlag xmlns:ma14="http://schemas.microsoft.com/office/mac/drawingml/2011/main" xmlns="" val="1"/>
+              <ma14:wrappingTextBoxFlag xmlns="" xmlns:ma14="http://schemas.microsoft.com/office/mac/drawingml/2011/main" val="1"/>
             </a:ext>
           </a:extLst>
         </p:spPr>
@@ -13974,7 +13974,7 @@
           </a:ln>
           <a:extLst>
             <a:ext uri="{C572A759-6A51-4108-AA02-DFA0A04FC94B}">
-              <ma14:wrappingTextBoxFlag xmlns:ma14="http://schemas.microsoft.com/office/mac/drawingml/2011/main" xmlns="" val="1"/>
+              <ma14:wrappingTextBoxFlag xmlns="" xmlns:ma14="http://schemas.microsoft.com/office/mac/drawingml/2011/main" val="1"/>
             </a:ext>
           </a:extLst>
         </p:spPr>
@@ -14014,7 +14014,7 @@
           </a:ln>
           <a:extLst>
             <a:ext uri="{C572A759-6A51-4108-AA02-DFA0A04FC94B}">
-              <ma14:wrappingTextBoxFlag xmlns:ma14="http://schemas.microsoft.com/office/mac/drawingml/2011/main" xmlns="" val="1"/>
+              <ma14:wrappingTextBoxFlag xmlns="" xmlns:ma14="http://schemas.microsoft.com/office/mac/drawingml/2011/main" val="1"/>
             </a:ext>
           </a:extLst>
         </p:spPr>
@@ -14111,7 +14111,7 @@
           </a:ln>
           <a:extLst>
             <a:ext uri="{C572A759-6A51-4108-AA02-DFA0A04FC94B}">
-              <ma14:wrappingTextBoxFlag xmlns:ma14="http://schemas.microsoft.com/office/mac/drawingml/2011/main" xmlns="" val="1"/>
+              <ma14:wrappingTextBoxFlag xmlns="" xmlns:ma14="http://schemas.microsoft.com/office/mac/drawingml/2011/main" val="1"/>
             </a:ext>
           </a:extLst>
         </p:spPr>
@@ -14150,7 +14150,7 @@
           </a:ln>
           <a:extLst>
             <a:ext uri="{C572A759-6A51-4108-AA02-DFA0A04FC94B}">
-              <ma14:wrappingTextBoxFlag xmlns:ma14="http://schemas.microsoft.com/office/mac/drawingml/2011/main" xmlns="" val="1"/>
+              <ma14:wrappingTextBoxFlag xmlns="" xmlns:ma14="http://schemas.microsoft.com/office/mac/drawingml/2011/main" val="1"/>
             </a:ext>
           </a:extLst>
         </p:spPr>
@@ -14279,7 +14279,7 @@
           </a:ln>
           <a:extLst>
             <a:ext uri="{C572A759-6A51-4108-AA02-DFA0A04FC94B}">
-              <ma14:wrappingTextBoxFlag xmlns:ma14="http://schemas.microsoft.com/office/mac/drawingml/2011/main" xmlns="" val="1"/>
+              <ma14:wrappingTextBoxFlag xmlns="" xmlns:ma14="http://schemas.microsoft.com/office/mac/drawingml/2011/main" val="1"/>
             </a:ext>
           </a:extLst>
         </p:spPr>
@@ -14318,7 +14318,7 @@
           </a:ln>
           <a:extLst>
             <a:ext uri="{C572A759-6A51-4108-AA02-DFA0A04FC94B}">
-              <ma14:wrappingTextBoxFlag xmlns:ma14="http://schemas.microsoft.com/office/mac/drawingml/2011/main" xmlns="" val="1"/>
+              <ma14:wrappingTextBoxFlag xmlns="" xmlns:ma14="http://schemas.microsoft.com/office/mac/drawingml/2011/main" val="1"/>
             </a:ext>
           </a:extLst>
         </p:spPr>
@@ -14372,7 +14372,7 @@
           </a:effectLst>
           <a:extLst>
             <a:ext uri="{C572A759-6A51-4108-AA02-DFA0A04FC94B}">
-              <ma14:wrappingTextBoxFlag xmlns:ma14="http://schemas.microsoft.com/office/mac/drawingml/2011/main" xmlns="" val="1"/>
+              <ma14:wrappingTextBoxFlag xmlns="" xmlns:ma14="http://schemas.microsoft.com/office/mac/drawingml/2011/main" val="1"/>
             </a:ext>
           </a:extLst>
         </p:spPr>
@@ -14431,7 +14431,7 @@
           </a:effectLst>
           <a:extLst>
             <a:ext uri="{C572A759-6A51-4108-AA02-DFA0A04FC94B}">
-              <ma14:wrappingTextBoxFlag xmlns:ma14="http://schemas.microsoft.com/office/mac/drawingml/2011/main" xmlns="" val="1"/>
+              <ma14:wrappingTextBoxFlag xmlns="" xmlns:ma14="http://schemas.microsoft.com/office/mac/drawingml/2011/main" val="1"/>
             </a:ext>
           </a:extLst>
         </p:spPr>
@@ -14490,7 +14490,7 @@
           </a:effectLst>
           <a:extLst>
             <a:ext uri="{C572A759-6A51-4108-AA02-DFA0A04FC94B}">
-              <ma14:wrappingTextBoxFlag xmlns:ma14="http://schemas.microsoft.com/office/mac/drawingml/2011/main" xmlns="" val="1"/>
+              <ma14:wrappingTextBoxFlag xmlns="" xmlns:ma14="http://schemas.microsoft.com/office/mac/drawingml/2011/main" val="1"/>
             </a:ext>
           </a:extLst>
         </p:spPr>
@@ -14549,7 +14549,7 @@
           </a:effectLst>
           <a:extLst>
             <a:ext uri="{C572A759-6A51-4108-AA02-DFA0A04FC94B}">
-              <ma14:wrappingTextBoxFlag xmlns:ma14="http://schemas.microsoft.com/office/mac/drawingml/2011/main" xmlns="" val="1"/>
+              <ma14:wrappingTextBoxFlag xmlns="" xmlns:ma14="http://schemas.microsoft.com/office/mac/drawingml/2011/main" val="1"/>
             </a:ext>
           </a:extLst>
         </p:spPr>
@@ -14608,7 +14608,7 @@
           </a:effectLst>
           <a:extLst>
             <a:ext uri="{C572A759-6A51-4108-AA02-DFA0A04FC94B}">
-              <ma14:wrappingTextBoxFlag xmlns:ma14="http://schemas.microsoft.com/office/mac/drawingml/2011/main" xmlns="" val="1"/>
+              <ma14:wrappingTextBoxFlag xmlns="" xmlns:ma14="http://schemas.microsoft.com/office/mac/drawingml/2011/main" val="1"/>
             </a:ext>
           </a:extLst>
         </p:spPr>
@@ -14685,7 +14685,7 @@
           </a:ln>
           <a:extLst>
             <a:ext uri="{C572A759-6A51-4108-AA02-DFA0A04FC94B}">
-              <ma14:wrappingTextBoxFlag xmlns:ma14="http://schemas.microsoft.com/office/mac/drawingml/2011/main" xmlns="" val="1"/>
+              <ma14:wrappingTextBoxFlag xmlns="" xmlns:ma14="http://schemas.microsoft.com/office/mac/drawingml/2011/main" val="1"/>
             </a:ext>
           </a:extLst>
         </p:spPr>
@@ -14725,7 +14725,7 @@
           </a:ln>
           <a:extLst>
             <a:ext uri="{C572A759-6A51-4108-AA02-DFA0A04FC94B}">
-              <ma14:wrappingTextBoxFlag xmlns:ma14="http://schemas.microsoft.com/office/mac/drawingml/2011/main" xmlns="" val="1"/>
+              <ma14:wrappingTextBoxFlag xmlns="" xmlns:ma14="http://schemas.microsoft.com/office/mac/drawingml/2011/main" val="1"/>
             </a:ext>
           </a:extLst>
         </p:spPr>
@@ -14765,7 +14765,7 @@
           </a:ln>
           <a:extLst>
             <a:ext uri="{C572A759-6A51-4108-AA02-DFA0A04FC94B}">
-              <ma14:wrappingTextBoxFlag xmlns:ma14="http://schemas.microsoft.com/office/mac/drawingml/2011/main" xmlns="" val="1"/>
+              <ma14:wrappingTextBoxFlag xmlns="" xmlns:ma14="http://schemas.microsoft.com/office/mac/drawingml/2011/main" val="1"/>
             </a:ext>
           </a:extLst>
         </p:spPr>
@@ -14862,7 +14862,7 @@
           </a:ln>
           <a:extLst>
             <a:ext uri="{C572A759-6A51-4108-AA02-DFA0A04FC94B}">
-              <ma14:wrappingTextBoxFlag xmlns:ma14="http://schemas.microsoft.com/office/mac/drawingml/2011/main" xmlns="" val="1"/>
+              <ma14:wrappingTextBoxFlag xmlns="" xmlns:ma14="http://schemas.microsoft.com/office/mac/drawingml/2011/main" val="1"/>
             </a:ext>
           </a:extLst>
         </p:spPr>
@@ -14901,7 +14901,7 @@
           </a:ln>
           <a:extLst>
             <a:ext uri="{C572A759-6A51-4108-AA02-DFA0A04FC94B}">
-              <ma14:wrappingTextBoxFlag xmlns:ma14="http://schemas.microsoft.com/office/mac/drawingml/2011/main" xmlns="" val="1"/>
+              <ma14:wrappingTextBoxFlag xmlns="" xmlns:ma14="http://schemas.microsoft.com/office/mac/drawingml/2011/main" val="1"/>
             </a:ext>
           </a:extLst>
         </p:spPr>
@@ -14955,7 +14955,7 @@
           </a:effectLst>
           <a:extLst>
             <a:ext uri="{C572A759-6A51-4108-AA02-DFA0A04FC94B}">
-              <ma14:wrappingTextBoxFlag xmlns:ma14="http://schemas.microsoft.com/office/mac/drawingml/2011/main" xmlns="" val="1"/>
+              <ma14:wrappingTextBoxFlag xmlns="" xmlns:ma14="http://schemas.microsoft.com/office/mac/drawingml/2011/main" val="1"/>
             </a:ext>
           </a:extLst>
         </p:spPr>
@@ -15014,7 +15014,7 @@
           </a:effectLst>
           <a:extLst>
             <a:ext uri="{C572A759-6A51-4108-AA02-DFA0A04FC94B}">
-              <ma14:wrappingTextBoxFlag xmlns:ma14="http://schemas.microsoft.com/office/mac/drawingml/2011/main" xmlns="" val="1"/>
+              <ma14:wrappingTextBoxFlag xmlns="" xmlns:ma14="http://schemas.microsoft.com/office/mac/drawingml/2011/main" val="1"/>
             </a:ext>
           </a:extLst>
         </p:spPr>
@@ -15073,7 +15073,7 @@
           </a:effectLst>
           <a:extLst>
             <a:ext uri="{C572A759-6A51-4108-AA02-DFA0A04FC94B}">
-              <ma14:wrappingTextBoxFlag xmlns:ma14="http://schemas.microsoft.com/office/mac/drawingml/2011/main" xmlns="" val="1"/>
+              <ma14:wrappingTextBoxFlag xmlns="" xmlns:ma14="http://schemas.microsoft.com/office/mac/drawingml/2011/main" val="1"/>
             </a:ext>
           </a:extLst>
         </p:spPr>
@@ -15162,7 +15162,7 @@
           </a:effectLst>
           <a:extLst>
             <a:ext uri="{C572A759-6A51-4108-AA02-DFA0A04FC94B}">
-              <ma14:wrappingTextBoxFlag xmlns:ma14="http://schemas.microsoft.com/office/mac/drawingml/2011/main" xmlns="" val="1"/>
+              <ma14:wrappingTextBoxFlag xmlns="" xmlns:ma14="http://schemas.microsoft.com/office/mac/drawingml/2011/main" val="1"/>
             </a:ext>
           </a:extLst>
         </p:spPr>
@@ -15221,7 +15221,7 @@
           </a:effectLst>
           <a:extLst>
             <a:ext uri="{C572A759-6A51-4108-AA02-DFA0A04FC94B}">
-              <ma14:wrappingTextBoxFlag xmlns:ma14="http://schemas.microsoft.com/office/mac/drawingml/2011/main" xmlns="" val="1"/>
+              <ma14:wrappingTextBoxFlag xmlns="" xmlns:ma14="http://schemas.microsoft.com/office/mac/drawingml/2011/main" val="1"/>
             </a:ext>
           </a:extLst>
         </p:spPr>
@@ -15490,7 +15490,7 @@
           </a:effectLst>
           <a:extLst>
             <a:ext uri="{C572A759-6A51-4108-AA02-DFA0A04FC94B}">
-              <ma14:wrappingTextBoxFlag xmlns:ma14="http://schemas.microsoft.com/office/mac/drawingml/2011/main" xmlns="" val="1"/>
+              <ma14:wrappingTextBoxFlag xmlns="" xmlns:ma14="http://schemas.microsoft.com/office/mac/drawingml/2011/main" val="1"/>
             </a:ext>
           </a:extLst>
         </p:spPr>
@@ -15549,7 +15549,7 @@
           </a:effectLst>
           <a:extLst>
             <a:ext uri="{C572A759-6A51-4108-AA02-DFA0A04FC94B}">
-              <ma14:wrappingTextBoxFlag xmlns:ma14="http://schemas.microsoft.com/office/mac/drawingml/2011/main" xmlns="" val="1"/>
+              <ma14:wrappingTextBoxFlag xmlns="" xmlns:ma14="http://schemas.microsoft.com/office/mac/drawingml/2011/main" val="1"/>
             </a:ext>
           </a:extLst>
         </p:spPr>
@@ -15606,7 +15606,7 @@
           </a:ln>
           <a:extLst>
             <a:ext uri="{C572A759-6A51-4108-AA02-DFA0A04FC94B}">
-              <ma14:wrappingTextBoxFlag xmlns:ma14="http://schemas.microsoft.com/office/mac/drawingml/2011/main" xmlns="" val="1"/>
+              <ma14:wrappingTextBoxFlag xmlns="" xmlns:ma14="http://schemas.microsoft.com/office/mac/drawingml/2011/main" val="1"/>
             </a:ext>
           </a:extLst>
         </p:spPr>
@@ -15690,7 +15690,7 @@
           </a:effectLst>
           <a:extLst>
             <a:ext uri="{C572A759-6A51-4108-AA02-DFA0A04FC94B}">
-              <ma14:wrappingTextBoxFlag xmlns:ma14="http://schemas.microsoft.com/office/mac/drawingml/2011/main" xmlns="" val="1"/>
+              <ma14:wrappingTextBoxFlag xmlns="" xmlns:ma14="http://schemas.microsoft.com/office/mac/drawingml/2011/main" val="1"/>
             </a:ext>
           </a:extLst>
         </p:spPr>
@@ -15749,7 +15749,7 @@
           </a:effectLst>
           <a:extLst>
             <a:ext uri="{C572A759-6A51-4108-AA02-DFA0A04FC94B}">
-              <ma14:wrappingTextBoxFlag xmlns:ma14="http://schemas.microsoft.com/office/mac/drawingml/2011/main" xmlns="" val="1"/>
+              <ma14:wrappingTextBoxFlag xmlns="" xmlns:ma14="http://schemas.microsoft.com/office/mac/drawingml/2011/main" val="1"/>
             </a:ext>
           </a:extLst>
         </p:spPr>
@@ -15808,7 +15808,7 @@
           </a:effectLst>
           <a:extLst>
             <a:ext uri="{C572A759-6A51-4108-AA02-DFA0A04FC94B}">
-              <ma14:wrappingTextBoxFlag xmlns:ma14="http://schemas.microsoft.com/office/mac/drawingml/2011/main" xmlns="" val="1"/>
+              <ma14:wrappingTextBoxFlag xmlns="" xmlns:ma14="http://schemas.microsoft.com/office/mac/drawingml/2011/main" val="1"/>
             </a:ext>
           </a:extLst>
         </p:spPr>
@@ -15867,7 +15867,7 @@
           </a:effectLst>
           <a:extLst>
             <a:ext uri="{C572A759-6A51-4108-AA02-DFA0A04FC94B}">
-              <ma14:wrappingTextBoxFlag xmlns:ma14="http://schemas.microsoft.com/office/mac/drawingml/2011/main" xmlns="" val="1"/>
+              <ma14:wrappingTextBoxFlag xmlns="" xmlns:ma14="http://schemas.microsoft.com/office/mac/drawingml/2011/main" val="1"/>
             </a:ext>
           </a:extLst>
         </p:spPr>
@@ -15934,7 +15934,7 @@
           </a:effectLst>
           <a:extLst>
             <a:ext uri="{C572A759-6A51-4108-AA02-DFA0A04FC94B}">
-              <ma14:wrappingTextBoxFlag xmlns:ma14="http://schemas.microsoft.com/office/mac/drawingml/2011/main" xmlns="" val="1"/>
+              <ma14:wrappingTextBoxFlag xmlns="" xmlns:ma14="http://schemas.microsoft.com/office/mac/drawingml/2011/main" val="1"/>
             </a:ext>
           </a:extLst>
         </p:spPr>
@@ -16001,7 +16001,7 @@
           </a:effectLst>
           <a:extLst>
             <a:ext uri="{C572A759-6A51-4108-AA02-DFA0A04FC94B}">
-              <ma14:wrappingTextBoxFlag xmlns:ma14="http://schemas.microsoft.com/office/mac/drawingml/2011/main" xmlns="" val="1"/>
+              <ma14:wrappingTextBoxFlag xmlns="" xmlns:ma14="http://schemas.microsoft.com/office/mac/drawingml/2011/main" val="1"/>
             </a:ext>
           </a:extLst>
         </p:spPr>
@@ -16118,7 +16118,7 @@
           </a:ln>
           <a:extLst>
             <a:ext uri="{C572A759-6A51-4108-AA02-DFA0A04FC94B}">
-              <ma14:wrappingTextBoxFlag xmlns:ma14="http://schemas.microsoft.com/office/mac/drawingml/2011/main" xmlns="" val="1"/>
+              <ma14:wrappingTextBoxFlag xmlns="" xmlns:ma14="http://schemas.microsoft.com/office/mac/drawingml/2011/main" val="1"/>
             </a:ext>
           </a:extLst>
         </p:spPr>
@@ -16160,7 +16160,7 @@
           </a:ln>
           <a:extLst>
             <a:ext uri="{C572A759-6A51-4108-AA02-DFA0A04FC94B}">
-              <ma14:wrappingTextBoxFlag xmlns:ma14="http://schemas.microsoft.com/office/mac/drawingml/2011/main" xmlns="" val="1"/>
+              <ma14:wrappingTextBoxFlag xmlns="" xmlns:ma14="http://schemas.microsoft.com/office/mac/drawingml/2011/main" val="1"/>
             </a:ext>
           </a:extLst>
         </p:spPr>
@@ -16202,7 +16202,7 @@
           </a:ln>
           <a:extLst>
             <a:ext uri="{C572A759-6A51-4108-AA02-DFA0A04FC94B}">
-              <ma14:wrappingTextBoxFlag xmlns:ma14="http://schemas.microsoft.com/office/mac/drawingml/2011/main" xmlns="" val="1"/>
+              <ma14:wrappingTextBoxFlag xmlns="" xmlns:ma14="http://schemas.microsoft.com/office/mac/drawingml/2011/main" val="1"/>
             </a:ext>
           </a:extLst>
         </p:spPr>
@@ -16316,7 +16316,7 @@
           </a:effectLst>
           <a:extLst>
             <a:ext uri="{C572A759-6A51-4108-AA02-DFA0A04FC94B}">
-              <ma14:wrappingTextBoxFlag xmlns:ma14="http://schemas.microsoft.com/office/mac/drawingml/2011/main" xmlns="" val="1"/>
+              <ma14:wrappingTextBoxFlag xmlns="" xmlns:ma14="http://schemas.microsoft.com/office/mac/drawingml/2011/main" val="1"/>
             </a:ext>
           </a:extLst>
         </p:spPr>
@@ -16377,7 +16377,7 @@
           </a:effectLst>
           <a:extLst>
             <a:ext uri="{C572A759-6A51-4108-AA02-DFA0A04FC94B}">
-              <ma14:wrappingTextBoxFlag xmlns:ma14="http://schemas.microsoft.com/office/mac/drawingml/2011/main" xmlns="" val="1"/>
+              <ma14:wrappingTextBoxFlag xmlns="" xmlns:ma14="http://schemas.microsoft.com/office/mac/drawingml/2011/main" val="1"/>
             </a:ext>
           </a:extLst>
         </p:spPr>
@@ -16461,7 +16461,7 @@
           </a:effectLst>
           <a:extLst>
             <a:ext uri="{C572A759-6A51-4108-AA02-DFA0A04FC94B}">
-              <ma14:wrappingTextBoxFlag xmlns:ma14="http://schemas.microsoft.com/office/mac/drawingml/2011/main" xmlns="" val="1"/>
+              <ma14:wrappingTextBoxFlag xmlns="" xmlns:ma14="http://schemas.microsoft.com/office/mac/drawingml/2011/main" val="1"/>
             </a:ext>
           </a:extLst>
         </p:spPr>
@@ -16528,7 +16528,7 @@
           </a:ln>
           <a:extLst>
             <a:ext uri="{C572A759-6A51-4108-AA02-DFA0A04FC94B}">
-              <ma14:wrappingTextBoxFlag xmlns:ma14="http://schemas.microsoft.com/office/mac/drawingml/2011/main" xmlns="" val="1"/>
+              <ma14:wrappingTextBoxFlag xmlns="" xmlns:ma14="http://schemas.microsoft.com/office/mac/drawingml/2011/main" val="1"/>
             </a:ext>
           </a:extLst>
         </p:spPr>
@@ -16567,7 +16567,7 @@
           </a:ln>
           <a:extLst>
             <a:ext uri="{C572A759-6A51-4108-AA02-DFA0A04FC94B}">
-              <ma14:wrappingTextBoxFlag xmlns:ma14="http://schemas.microsoft.com/office/mac/drawingml/2011/main" xmlns="" val="1"/>
+              <ma14:wrappingTextBoxFlag xmlns="" xmlns:ma14="http://schemas.microsoft.com/office/mac/drawingml/2011/main" val="1"/>
             </a:ext>
           </a:extLst>
         </p:spPr>
@@ -16606,7 +16606,7 @@
           </a:ln>
           <a:extLst>
             <a:ext uri="{C572A759-6A51-4108-AA02-DFA0A04FC94B}">
-              <ma14:wrappingTextBoxFlag xmlns:ma14="http://schemas.microsoft.com/office/mac/drawingml/2011/main" xmlns="" val="1"/>
+              <ma14:wrappingTextBoxFlag xmlns="" xmlns:ma14="http://schemas.microsoft.com/office/mac/drawingml/2011/main" val="1"/>
             </a:ext>
           </a:extLst>
         </p:spPr>
@@ -16655,7 +16655,7 @@
           </a:effectLst>
           <a:extLst>
             <a:ext uri="{C572A759-6A51-4108-AA02-DFA0A04FC94B}">
-              <ma14:wrappingTextBoxFlag xmlns:ma14="http://schemas.microsoft.com/office/mac/drawingml/2011/main" xmlns="" val="1"/>
+              <ma14:wrappingTextBoxFlag xmlns="" xmlns:ma14="http://schemas.microsoft.com/office/mac/drawingml/2011/main" val="1"/>
             </a:ext>
           </a:extLst>
         </p:spPr>
@@ -16702,7 +16702,7 @@
           </a:effectLst>
           <a:extLst>
             <a:ext uri="{C572A759-6A51-4108-AA02-DFA0A04FC94B}">
-              <ma14:wrappingTextBoxFlag xmlns:ma14="http://schemas.microsoft.com/office/mac/drawingml/2011/main" xmlns="" val="1"/>
+              <ma14:wrappingTextBoxFlag xmlns="" xmlns:ma14="http://schemas.microsoft.com/office/mac/drawingml/2011/main" val="1"/>
             </a:ext>
           </a:extLst>
         </p:spPr>
@@ -16829,7 +16829,7 @@
           </a:ln>
           <a:extLst>
             <a:ext uri="{C572A759-6A51-4108-AA02-DFA0A04FC94B}">
-              <ma14:wrappingTextBoxFlag xmlns:ma14="http://schemas.microsoft.com/office/mac/drawingml/2011/main" xmlns="" val="1"/>
+              <ma14:wrappingTextBoxFlag xmlns="" xmlns:ma14="http://schemas.microsoft.com/office/mac/drawingml/2011/main" val="1"/>
             </a:ext>
           </a:extLst>
         </p:spPr>
@@ -16868,7 +16868,7 @@
           </a:ln>
           <a:extLst>
             <a:ext uri="{C572A759-6A51-4108-AA02-DFA0A04FC94B}">
-              <ma14:wrappingTextBoxFlag xmlns:ma14="http://schemas.microsoft.com/office/mac/drawingml/2011/main" xmlns="" val="1"/>
+              <ma14:wrappingTextBoxFlag xmlns="" xmlns:ma14="http://schemas.microsoft.com/office/mac/drawingml/2011/main" val="1"/>
             </a:ext>
           </a:extLst>
         </p:spPr>
@@ -16907,7 +16907,7 @@
           </a:ln>
           <a:extLst>
             <a:ext uri="{C572A759-6A51-4108-AA02-DFA0A04FC94B}">
-              <ma14:wrappingTextBoxFlag xmlns:ma14="http://schemas.microsoft.com/office/mac/drawingml/2011/main" xmlns="" val="1"/>
+              <ma14:wrappingTextBoxFlag xmlns="" xmlns:ma14="http://schemas.microsoft.com/office/mac/drawingml/2011/main" val="1"/>
             </a:ext>
           </a:extLst>
         </p:spPr>
@@ -16961,7 +16961,7 @@
           </a:effectLst>
           <a:extLst>
             <a:ext uri="{C572A759-6A51-4108-AA02-DFA0A04FC94B}">
-              <ma14:wrappingTextBoxFlag xmlns:ma14="http://schemas.microsoft.com/office/mac/drawingml/2011/main" xmlns="" val="1"/>
+              <ma14:wrappingTextBoxFlag xmlns="" xmlns:ma14="http://schemas.microsoft.com/office/mac/drawingml/2011/main" val="1"/>
             </a:ext>
           </a:extLst>
         </p:spPr>
@@ -17020,7 +17020,7 @@
           </a:effectLst>
           <a:extLst>
             <a:ext uri="{C572A759-6A51-4108-AA02-DFA0A04FC94B}">
-              <ma14:wrappingTextBoxFlag xmlns:ma14="http://schemas.microsoft.com/office/mac/drawingml/2011/main" xmlns="" val="1"/>
+              <ma14:wrappingTextBoxFlag xmlns="" xmlns:ma14="http://schemas.microsoft.com/office/mac/drawingml/2011/main" val="1"/>
             </a:ext>
           </a:extLst>
         </p:spPr>
@@ -17079,7 +17079,7 @@
           </a:effectLst>
           <a:extLst>
             <a:ext uri="{C572A759-6A51-4108-AA02-DFA0A04FC94B}">
-              <ma14:wrappingTextBoxFlag xmlns:ma14="http://schemas.microsoft.com/office/mac/drawingml/2011/main" xmlns="" val="1"/>
+              <ma14:wrappingTextBoxFlag xmlns="" xmlns:ma14="http://schemas.microsoft.com/office/mac/drawingml/2011/main" val="1"/>
             </a:ext>
           </a:extLst>
         </p:spPr>
@@ -17123,7 +17123,7 @@
           </a:ln>
           <a:extLst>
             <a:ext uri="{C572A759-6A51-4108-AA02-DFA0A04FC94B}">
-              <ma14:wrappingTextBoxFlag xmlns:ma14="http://schemas.microsoft.com/office/mac/drawingml/2011/main" xmlns="" val="1"/>
+              <ma14:wrappingTextBoxFlag xmlns="" xmlns:ma14="http://schemas.microsoft.com/office/mac/drawingml/2011/main" val="1"/>
             </a:ext>
           </a:extLst>
         </p:spPr>
@@ -17162,7 +17162,7 @@
           </a:ln>
           <a:extLst>
             <a:ext uri="{C572A759-6A51-4108-AA02-DFA0A04FC94B}">
-              <ma14:wrappingTextBoxFlag xmlns:ma14="http://schemas.microsoft.com/office/mac/drawingml/2011/main" xmlns="" val="1"/>
+              <ma14:wrappingTextBoxFlag xmlns="" xmlns:ma14="http://schemas.microsoft.com/office/mac/drawingml/2011/main" val="1"/>
             </a:ext>
           </a:extLst>
         </p:spPr>
@@ -17201,7 +17201,7 @@
           </a:ln>
           <a:extLst>
             <a:ext uri="{C572A759-6A51-4108-AA02-DFA0A04FC94B}">
-              <ma14:wrappingTextBoxFlag xmlns:ma14="http://schemas.microsoft.com/office/mac/drawingml/2011/main" xmlns="" val="1"/>
+              <ma14:wrappingTextBoxFlag xmlns="" xmlns:ma14="http://schemas.microsoft.com/office/mac/drawingml/2011/main" val="1"/>
             </a:ext>
           </a:extLst>
         </p:spPr>
@@ -17240,7 +17240,7 @@
           </a:ln>
           <a:extLst>
             <a:ext uri="{C572A759-6A51-4108-AA02-DFA0A04FC94B}">
-              <ma14:wrappingTextBoxFlag xmlns:ma14="http://schemas.microsoft.com/office/mac/drawingml/2011/main" xmlns="" val="1"/>
+              <ma14:wrappingTextBoxFlag xmlns="" xmlns:ma14="http://schemas.microsoft.com/office/mac/drawingml/2011/main" val="1"/>
             </a:ext>
           </a:extLst>
         </p:spPr>
@@ -17279,7 +17279,7 @@
           </a:ln>
           <a:extLst>
             <a:ext uri="{C572A759-6A51-4108-AA02-DFA0A04FC94B}">
-              <ma14:wrappingTextBoxFlag xmlns:ma14="http://schemas.microsoft.com/office/mac/drawingml/2011/main" xmlns="" val="1"/>
+              <ma14:wrappingTextBoxFlag xmlns="" xmlns:ma14="http://schemas.microsoft.com/office/mac/drawingml/2011/main" val="1"/>
             </a:ext>
           </a:extLst>
         </p:spPr>
@@ -17318,7 +17318,7 @@
           </a:ln>
           <a:extLst>
             <a:ext uri="{C572A759-6A51-4108-AA02-DFA0A04FC94B}">
-              <ma14:wrappingTextBoxFlag xmlns:ma14="http://schemas.microsoft.com/office/mac/drawingml/2011/main" xmlns="" val="1"/>
+              <ma14:wrappingTextBoxFlag xmlns="" xmlns:ma14="http://schemas.microsoft.com/office/mac/drawingml/2011/main" val="1"/>
             </a:ext>
           </a:extLst>
         </p:spPr>
@@ -17357,7 +17357,7 @@
           </a:ln>
           <a:extLst>
             <a:ext uri="{C572A759-6A51-4108-AA02-DFA0A04FC94B}">
-              <ma14:wrappingTextBoxFlag xmlns:ma14="http://schemas.microsoft.com/office/mac/drawingml/2011/main" xmlns="" val="1"/>
+              <ma14:wrappingTextBoxFlag xmlns="" xmlns:ma14="http://schemas.microsoft.com/office/mac/drawingml/2011/main" val="1"/>
             </a:ext>
           </a:extLst>
         </p:spPr>
@@ -17403,7 +17403,7 @@
           </a:ln>
           <a:extLst>
             <a:ext uri="{C572A759-6A51-4108-AA02-DFA0A04FC94B}">
-              <ma14:wrappingTextBoxFlag xmlns:ma14="http://schemas.microsoft.com/office/mac/drawingml/2011/main" xmlns="" val="1"/>
+              <ma14:wrappingTextBoxFlag xmlns="" xmlns:ma14="http://schemas.microsoft.com/office/mac/drawingml/2011/main" val="1"/>
             </a:ext>
           </a:extLst>
         </p:spPr>
@@ -17449,7 +17449,7 @@
           </a:ln>
           <a:extLst>
             <a:ext uri="{C572A759-6A51-4108-AA02-DFA0A04FC94B}">
-              <ma14:wrappingTextBoxFlag xmlns:ma14="http://schemas.microsoft.com/office/mac/drawingml/2011/main" xmlns="" val="1"/>
+              <ma14:wrappingTextBoxFlag xmlns="" xmlns:ma14="http://schemas.microsoft.com/office/mac/drawingml/2011/main" val="1"/>
             </a:ext>
           </a:extLst>
         </p:spPr>
@@ -17495,7 +17495,7 @@
           </a:ln>
           <a:extLst>
             <a:ext uri="{C572A759-6A51-4108-AA02-DFA0A04FC94B}">
-              <ma14:wrappingTextBoxFlag xmlns:ma14="http://schemas.microsoft.com/office/mac/drawingml/2011/main" xmlns="" val="1"/>
+              <ma14:wrappingTextBoxFlag xmlns="" xmlns:ma14="http://schemas.microsoft.com/office/mac/drawingml/2011/main" val="1"/>
             </a:ext>
           </a:extLst>
         </p:spPr>
@@ -17556,7 +17556,7 @@
           </a:effectLst>
           <a:extLst>
             <a:ext uri="{C572A759-6A51-4108-AA02-DFA0A04FC94B}">
-              <ma14:wrappingTextBoxFlag xmlns:ma14="http://schemas.microsoft.com/office/mac/drawingml/2011/main" xmlns="" val="1"/>
+              <ma14:wrappingTextBoxFlag xmlns="" xmlns:ma14="http://schemas.microsoft.com/office/mac/drawingml/2011/main" val="1"/>
             </a:ext>
           </a:extLst>
         </p:spPr>
@@ -17610,7 +17610,7 @@
           </a:effectLst>
           <a:extLst>
             <a:ext uri="{C572A759-6A51-4108-AA02-DFA0A04FC94B}">
-              <ma14:wrappingTextBoxFlag xmlns:ma14="http://schemas.microsoft.com/office/mac/drawingml/2011/main" xmlns="" val="1"/>
+              <ma14:wrappingTextBoxFlag xmlns="" xmlns:ma14="http://schemas.microsoft.com/office/mac/drawingml/2011/main" val="1"/>
             </a:ext>
           </a:extLst>
         </p:spPr>
@@ -17647,7 +17647,7 @@
           </a:ln>
           <a:extLst>
             <a:ext uri="{C572A759-6A51-4108-AA02-DFA0A04FC94B}">
-              <ma14:wrappingTextBoxFlag xmlns:ma14="http://schemas.microsoft.com/office/mac/drawingml/2011/main" xmlns="" val="1"/>
+              <ma14:wrappingTextBoxFlag xmlns="" xmlns:ma14="http://schemas.microsoft.com/office/mac/drawingml/2011/main" val="1"/>
             </a:ext>
           </a:extLst>
         </p:spPr>
@@ -17718,7 +17718,7 @@
           </a:effectLst>
           <a:extLst>
             <a:ext uri="{C572A759-6A51-4108-AA02-DFA0A04FC94B}">
-              <ma14:wrappingTextBoxFlag xmlns:ma14="http://schemas.microsoft.com/office/mac/drawingml/2011/main" xmlns="" val="1"/>
+              <ma14:wrappingTextBoxFlag xmlns="" xmlns:ma14="http://schemas.microsoft.com/office/mac/drawingml/2011/main" val="1"/>
             </a:ext>
           </a:extLst>
         </p:spPr>
@@ -17777,7 +17777,7 @@
           </a:effectLst>
           <a:extLst>
             <a:ext uri="{C572A759-6A51-4108-AA02-DFA0A04FC94B}">
-              <ma14:wrappingTextBoxFlag xmlns:ma14="http://schemas.microsoft.com/office/mac/drawingml/2011/main" xmlns="" val="1"/>
+              <ma14:wrappingTextBoxFlag xmlns="" xmlns:ma14="http://schemas.microsoft.com/office/mac/drawingml/2011/main" val="1"/>
             </a:ext>
           </a:extLst>
         </p:spPr>
@@ -17810,8 +17810,8 @@
         </p:nvSpPr>
         <p:spPr>
           <a:xfrm>
-            <a:off x="8372274" y="-398016"/>
-            <a:ext cx="2854945" cy="4801312"/>
+            <a:off x="8948761" y="-675014"/>
+            <a:ext cx="2854945" cy="5355310"/>
           </a:xfrm>
           <a:prstGeom prst="rect">
             <a:avLst/>
@@ -18210,7 +18210,37 @@
             </a:r>
             <a:r>
               <a:rPr lang="de-DE" dirty="0" smtClean="0"/>
-              <a:t> der Lager ändern. Neuer Typ „Stock“ fordert neue ID (</a:t>
+              <a:t> der Maschinen auf 00x setzen</a:t>
+            </a:r>
+          </a:p>
+          <a:p>
+            <a:pPr marL="285750" marR="0" indent="-285750" algn="l" defTabSz="914400" rtl="0" fontAlgn="auto" latinLnBrk="0" hangingPunct="0">
+              <a:lnSpc>
+                <a:spcPct val="100000"/>
+              </a:lnSpc>
+              <a:spcBef>
+                <a:spcPts val="0"/>
+              </a:spcBef>
+              <a:spcAft>
+                <a:spcPts val="0"/>
+              </a:spcAft>
+              <a:buClrTx/>
+              <a:buSzTx/>
+              <a:buFont typeface="Arial" panose="020B0604020202020204" pitchFamily="34" charset="0"/>
+              <a:buChar char="•"/>
+              <a:tabLst/>
+            </a:pPr>
+            <a:r>
+              <a:rPr lang="de-DE" dirty="0" err="1" smtClean="0"/>
+              <a:t>ID‘s</a:t>
+            </a:r>
+            <a:r>
+              <a:rPr lang="de-DE" dirty="0" smtClean="0"/>
+              <a:t> </a:t>
+            </a:r>
+            <a:r>
+              <a:rPr lang="de-DE" dirty="0" smtClean="0"/>
+              <a:t>der Lager ändern. Neuer Typ „Stock“ fordert neue ID (</a:t>
             </a:r>
             <a:r>
               <a:rPr lang="de-DE" dirty="0" err="1" smtClean="0"/>
@@ -18403,7 +18433,7 @@
           </a:prstGeom>
           <a:extLst>
             <a:ext uri="{C572A759-6A51-4108-AA02-DFA0A04FC94B}">
-              <ma14:wrappingTextBoxFlag xmlns:ma14="http://schemas.microsoft.com/office/mac/drawingml/2011/main" xmlns="" val="1"/>
+              <ma14:wrappingTextBoxFlag xmlns="" xmlns:ma14="http://schemas.microsoft.com/office/mac/drawingml/2011/main" val="1"/>
             </a:ext>
           </a:extLst>
         </p:spPr>
@@ -18480,9 +18510,10 @@
                         <a:defRPr sz="1800"/>
                       </a:pPr>
                       <a:r>
-                        <a:rPr sz="1400" i="1"/>
+                        <a:rPr sz="1400" i="1" dirty="0" err="1"/>
                         <a:t>maschine</a:t>
                       </a:r>
+                      <a:endParaRPr sz="1400" i="1" dirty="0"/>
                     </a:p>
                   </a:txBody>
                   <a:tcPr marL="0" marR="0" marT="0" marB="0" horzOverflow="overflow"/>
@@ -22026,8 +22057,8 @@
         </p:nvSpPr>
         <p:spPr>
           <a:xfrm>
-            <a:off x="9024242" y="-963488"/>
-            <a:ext cx="2854945" cy="8125299"/>
+            <a:off x="9024242" y="-1378985"/>
+            <a:ext cx="2854945" cy="8956296"/>
           </a:xfrm>
           <a:prstGeom prst="rect">
             <a:avLst/>
@@ -22340,10 +22371,10 @@
               <a:t>“ falsch betitelt. Maintenance bedeutet </a:t>
             </a:r>
             <a:r>
-              <a:rPr lang="de-DE" dirty="0" err="1" smtClean="0">
+              <a:rPr lang="de-DE" dirty="0" smtClean="0">
                 <a:sym typeface="Wingdings" panose="05000000000000000000" pitchFamily="2" charset="2"/>
               </a:rPr>
-              <a:t>Instndhaltung</a:t>
+              <a:t>Instandhaltung</a:t>
             </a:r>
             <a:r>
               <a:rPr lang="de-DE" dirty="0" smtClean="0">
@@ -22352,16 +22383,22 @@
               <a:t>, wir wollen aber sagen, dass jemand die </a:t>
             </a:r>
             <a:r>
-              <a:rPr lang="de-DE" dirty="0" err="1" smtClean="0">
+              <a:rPr lang="de-DE" dirty="0">
                 <a:sym typeface="Wingdings" panose="05000000000000000000" pitchFamily="2" charset="2"/>
               </a:rPr>
-              <a:t>maschine</a:t>
+              <a:t>M</a:t>
             </a:r>
             <a:r>
               <a:rPr lang="de-DE" dirty="0" smtClean="0">
                 <a:sym typeface="Wingdings" panose="05000000000000000000" pitchFamily="2" charset="2"/>
               </a:rPr>
-              <a:t> betreibt. Die Instandhaltung ist ja über </a:t>
+              <a:t>aschine </a:t>
+            </a:r>
+            <a:r>
+              <a:rPr lang="de-DE" dirty="0" smtClean="0">
+                <a:sym typeface="Wingdings" panose="05000000000000000000" pitchFamily="2" charset="2"/>
+              </a:rPr>
+              <a:t>betreibt. Die Instandhaltung ist ja über </a:t>
             </a:r>
             <a:r>
               <a:rPr lang="de-DE" dirty="0" err="1" smtClean="0">
@@ -22397,8 +22434,41 @@
               <a:rPr lang="de-DE" dirty="0" smtClean="0">
                 <a:sym typeface="Wingdings" panose="05000000000000000000" pitchFamily="2" charset="2"/>
               </a:rPr>
-              <a:t>“, …</a:t>
-            </a:r>
+              <a:t>“, </a:t>
+            </a:r>
+            <a:r>
+              <a:rPr lang="de-DE" dirty="0" smtClean="0">
+                <a:sym typeface="Wingdings" panose="05000000000000000000" pitchFamily="2" charset="2"/>
+              </a:rPr>
+              <a:t>…</a:t>
+            </a:r>
+          </a:p>
+          <a:p>
+            <a:pPr marL="285750" marR="0" indent="-285750" algn="l" defTabSz="914400" rtl="0" fontAlgn="auto" latinLnBrk="0" hangingPunct="0">
+              <a:lnSpc>
+                <a:spcPct val="100000"/>
+              </a:lnSpc>
+              <a:spcBef>
+                <a:spcPts val="0"/>
+              </a:spcBef>
+              <a:spcAft>
+                <a:spcPts val="0"/>
+              </a:spcAft>
+              <a:buClrTx/>
+              <a:buSzTx/>
+              <a:buFont typeface="Arial" panose="020B0604020202020204" pitchFamily="34" charset="0"/>
+              <a:buChar char="•"/>
+              <a:tabLst/>
+            </a:pPr>
+            <a:r>
+              <a:rPr lang="de-DE" dirty="0" smtClean="0">
+                <a:sym typeface="Wingdings" panose="05000000000000000000" pitchFamily="2" charset="2"/>
+              </a:rPr>
+              <a:t>Machines (Stocks) und Person für Stock einfügen</a:t>
+            </a:r>
+            <a:endParaRPr lang="de-DE" dirty="0" smtClean="0">
+              <a:sym typeface="Wingdings" panose="05000000000000000000" pitchFamily="2" charset="2"/>
+            </a:endParaRPr>
           </a:p>
         </p:txBody>
       </p:sp>
@@ -22448,7 +22518,7 @@
           </a:prstGeom>
           <a:extLst>
             <a:ext uri="{C572A759-6A51-4108-AA02-DFA0A04FC94B}">
-              <ma14:wrappingTextBoxFlag xmlns:ma14="http://schemas.microsoft.com/office/mac/drawingml/2011/main" xmlns="" val="1"/>
+              <ma14:wrappingTextBoxFlag xmlns="" xmlns:ma14="http://schemas.microsoft.com/office/mac/drawingml/2011/main" val="1"/>
             </a:ext>
           </a:extLst>
         </p:spPr>
@@ -22584,7 +22654,7 @@
           </a:prstGeom>
           <a:extLst>
             <a:ext uri="{C572A759-6A51-4108-AA02-DFA0A04FC94B}">
-              <ma14:wrappingTextBoxFlag xmlns:ma14="http://schemas.microsoft.com/office/mac/drawingml/2011/main" xmlns="" val="1"/>
+              <ma14:wrappingTextBoxFlag xmlns="" xmlns:ma14="http://schemas.microsoft.com/office/mac/drawingml/2011/main" val="1"/>
             </a:ext>
           </a:extLst>
         </p:spPr>
@@ -23064,7 +23134,7 @@
           </a:ln>
           <a:extLst>
             <a:ext uri="{C572A759-6A51-4108-AA02-DFA0A04FC94B}">
-              <ma14:wrappingTextBoxFlag xmlns:ma14="http://schemas.microsoft.com/office/mac/drawingml/2011/main" xmlns="" val="1"/>
+              <ma14:wrappingTextBoxFlag xmlns="" xmlns:ma14="http://schemas.microsoft.com/office/mac/drawingml/2011/main" val="1"/>
             </a:ext>
           </a:extLst>
         </p:spPr>
@@ -23223,7 +23293,7 @@
           </a:ln>
           <a:extLst>
             <a:ext uri="{C572A759-6A51-4108-AA02-DFA0A04FC94B}">
-              <ma14:wrappingTextBoxFlag xmlns:ma14="http://schemas.microsoft.com/office/mac/drawingml/2011/main" xmlns="" val="1"/>
+              <ma14:wrappingTextBoxFlag xmlns="" xmlns:ma14="http://schemas.microsoft.com/office/mac/drawingml/2011/main" val="1"/>
             </a:ext>
           </a:extLst>
         </p:spPr>
@@ -23263,7 +23333,7 @@
           </a:prstGeom>
           <a:extLst>
             <a:ext uri="{C572A759-6A51-4108-AA02-DFA0A04FC94B}">
-              <ma14:wrappingTextBoxFlag xmlns:ma14="http://schemas.microsoft.com/office/mac/drawingml/2011/main" xmlns="" val="1"/>
+              <ma14:wrappingTextBoxFlag xmlns="" xmlns:ma14="http://schemas.microsoft.com/office/mac/drawingml/2011/main" val="1"/>
             </a:ext>
           </a:extLst>
         </p:spPr>
@@ -23334,7 +23404,7 @@
           </a:effectLst>
           <a:extLst>
             <a:ext uri="{C572A759-6A51-4108-AA02-DFA0A04FC94B}">
-              <ma14:wrappingTextBoxFlag xmlns:ma14="http://schemas.microsoft.com/office/mac/drawingml/2011/main" xmlns="" val="1"/>
+              <ma14:wrappingTextBoxFlag xmlns="" xmlns:ma14="http://schemas.microsoft.com/office/mac/drawingml/2011/main" val="1"/>
             </a:ext>
           </a:extLst>
         </p:spPr>
@@ -23383,7 +23453,7 @@
           </a:effectLst>
           <a:extLst>
             <a:ext uri="{C572A759-6A51-4108-AA02-DFA0A04FC94B}">
-              <ma14:wrappingTextBoxFlag xmlns:ma14="http://schemas.microsoft.com/office/mac/drawingml/2011/main" xmlns="" val="1"/>
+              <ma14:wrappingTextBoxFlag xmlns="" xmlns:ma14="http://schemas.microsoft.com/office/mac/drawingml/2011/main" val="1"/>
             </a:ext>
           </a:extLst>
         </p:spPr>
@@ -23430,7 +23500,7 @@
           </a:effectLst>
           <a:extLst>
             <a:ext uri="{C572A759-6A51-4108-AA02-DFA0A04FC94B}">
-              <ma14:wrappingTextBoxFlag xmlns:ma14="http://schemas.microsoft.com/office/mac/drawingml/2011/main" xmlns="" val="1"/>
+              <ma14:wrappingTextBoxFlag xmlns="" xmlns:ma14="http://schemas.microsoft.com/office/mac/drawingml/2011/main" val="1"/>
             </a:ext>
           </a:extLst>
         </p:spPr>
@@ -23479,7 +23549,7 @@
           </a:effectLst>
           <a:extLst>
             <a:ext uri="{C572A759-6A51-4108-AA02-DFA0A04FC94B}">
-              <ma14:wrappingTextBoxFlag xmlns:ma14="http://schemas.microsoft.com/office/mac/drawingml/2011/main" xmlns="" val="1"/>
+              <ma14:wrappingTextBoxFlag xmlns="" xmlns:ma14="http://schemas.microsoft.com/office/mac/drawingml/2011/main" val="1"/>
             </a:ext>
           </a:extLst>
         </p:spPr>
@@ -23519,7 +23589,7 @@
           </a:ln>
           <a:extLst>
             <a:ext uri="{C572A759-6A51-4108-AA02-DFA0A04FC94B}">
-              <ma14:wrappingTextBoxFlag xmlns:ma14="http://schemas.microsoft.com/office/mac/drawingml/2011/main" xmlns="" val="1"/>
+              <ma14:wrappingTextBoxFlag xmlns="" xmlns:ma14="http://schemas.microsoft.com/office/mac/drawingml/2011/main" val="1"/>
             </a:ext>
           </a:extLst>
         </p:spPr>
@@ -23559,7 +23629,7 @@
           </a:ln>
           <a:extLst>
             <a:ext uri="{C572A759-6A51-4108-AA02-DFA0A04FC94B}">
-              <ma14:wrappingTextBoxFlag xmlns:ma14="http://schemas.microsoft.com/office/mac/drawingml/2011/main" xmlns="" val="1"/>
+              <ma14:wrappingTextBoxFlag xmlns="" xmlns:ma14="http://schemas.microsoft.com/office/mac/drawingml/2011/main" val="1"/>
             </a:ext>
           </a:extLst>
         </p:spPr>
@@ -23599,7 +23669,7 @@
           </a:ln>
           <a:extLst>
             <a:ext uri="{C572A759-6A51-4108-AA02-DFA0A04FC94B}">
-              <ma14:wrappingTextBoxFlag xmlns:ma14="http://schemas.microsoft.com/office/mac/drawingml/2011/main" xmlns="" val="1"/>
+              <ma14:wrappingTextBoxFlag xmlns="" xmlns:ma14="http://schemas.microsoft.com/office/mac/drawingml/2011/main" val="1"/>
             </a:ext>
           </a:extLst>
         </p:spPr>
@@ -23639,7 +23709,7 @@
           </a:ln>
           <a:extLst>
             <a:ext uri="{C572A759-6A51-4108-AA02-DFA0A04FC94B}">
-              <ma14:wrappingTextBoxFlag xmlns:ma14="http://schemas.microsoft.com/office/mac/drawingml/2011/main" xmlns="" val="1"/>
+              <ma14:wrappingTextBoxFlag xmlns="" xmlns:ma14="http://schemas.microsoft.com/office/mac/drawingml/2011/main" val="1"/>
             </a:ext>
           </a:extLst>
         </p:spPr>
@@ -23676,7 +23746,7 @@
           </a:ln>
           <a:extLst>
             <a:ext uri="{C572A759-6A51-4108-AA02-DFA0A04FC94B}">
-              <ma14:wrappingTextBoxFlag xmlns:ma14="http://schemas.microsoft.com/office/mac/drawingml/2011/main" xmlns="" val="1"/>
+              <ma14:wrappingTextBoxFlag xmlns="" xmlns:ma14="http://schemas.microsoft.com/office/mac/drawingml/2011/main" val="1"/>
             </a:ext>
           </a:extLst>
         </p:spPr>
@@ -23715,7 +23785,7 @@
           </a:ln>
           <a:extLst>
             <a:ext uri="{C572A759-6A51-4108-AA02-DFA0A04FC94B}">
-              <ma14:wrappingTextBoxFlag xmlns:ma14="http://schemas.microsoft.com/office/mac/drawingml/2011/main" xmlns="" val="1"/>
+              <ma14:wrappingTextBoxFlag xmlns="" xmlns:ma14="http://schemas.microsoft.com/office/mac/drawingml/2011/main" val="1"/>
             </a:ext>
           </a:extLst>
         </p:spPr>
@@ -23814,7 +23884,7 @@
           </a:ln>
           <a:extLst>
             <a:ext uri="{C572A759-6A51-4108-AA02-DFA0A04FC94B}">
-              <ma14:wrappingTextBoxFlag xmlns:ma14="http://schemas.microsoft.com/office/mac/drawingml/2011/main" xmlns="" val="1"/>
+              <ma14:wrappingTextBoxFlag xmlns="" xmlns:ma14="http://schemas.microsoft.com/office/mac/drawingml/2011/main" val="1"/>
             </a:ext>
           </a:extLst>
         </p:spPr>
@@ -23856,7 +23926,7 @@
           </a:ln>
           <a:extLst>
             <a:ext uri="{C572A759-6A51-4108-AA02-DFA0A04FC94B}">
-              <ma14:wrappingTextBoxFlag xmlns:ma14="http://schemas.microsoft.com/office/mac/drawingml/2011/main" xmlns="" val="1"/>
+              <ma14:wrappingTextBoxFlag xmlns="" xmlns:ma14="http://schemas.microsoft.com/office/mac/drawingml/2011/main" val="1"/>
             </a:ext>
           </a:extLst>
         </p:spPr>
@@ -23896,7 +23966,7 @@
           </a:ln>
           <a:extLst>
             <a:ext uri="{C572A759-6A51-4108-AA02-DFA0A04FC94B}">
-              <ma14:wrappingTextBoxFlag xmlns:ma14="http://schemas.microsoft.com/office/mac/drawingml/2011/main" xmlns="" val="1"/>
+              <ma14:wrappingTextBoxFlag xmlns="" xmlns:ma14="http://schemas.microsoft.com/office/mac/drawingml/2011/main" val="1"/>
             </a:ext>
           </a:extLst>
         </p:spPr>
@@ -23936,7 +24006,7 @@
           </a:ln>
           <a:extLst>
             <a:ext uri="{C572A759-6A51-4108-AA02-DFA0A04FC94B}">
-              <ma14:wrappingTextBoxFlag xmlns:ma14="http://schemas.microsoft.com/office/mac/drawingml/2011/main" xmlns="" val="1"/>
+              <ma14:wrappingTextBoxFlag xmlns="" xmlns:ma14="http://schemas.microsoft.com/office/mac/drawingml/2011/main" val="1"/>
             </a:ext>
           </a:extLst>
         </p:spPr>
@@ -23976,7 +24046,7 @@
           </a:ln>
           <a:extLst>
             <a:ext uri="{C572A759-6A51-4108-AA02-DFA0A04FC94B}">
-              <ma14:wrappingTextBoxFlag xmlns:ma14="http://schemas.microsoft.com/office/mac/drawingml/2011/main" xmlns="" val="1"/>
+              <ma14:wrappingTextBoxFlag xmlns="" xmlns:ma14="http://schemas.microsoft.com/office/mac/drawingml/2011/main" val="1"/>
             </a:ext>
           </a:extLst>
         </p:spPr>
@@ -24016,7 +24086,7 @@
           </a:ln>
           <a:extLst>
             <a:ext uri="{C572A759-6A51-4108-AA02-DFA0A04FC94B}">
-              <ma14:wrappingTextBoxFlag xmlns:ma14="http://schemas.microsoft.com/office/mac/drawingml/2011/main" xmlns="" val="1"/>
+              <ma14:wrappingTextBoxFlag xmlns="" xmlns:ma14="http://schemas.microsoft.com/office/mac/drawingml/2011/main" val="1"/>
             </a:ext>
           </a:extLst>
         </p:spPr>
@@ -24056,7 +24126,7 @@
           </a:ln>
           <a:extLst>
             <a:ext uri="{C572A759-6A51-4108-AA02-DFA0A04FC94B}">
-              <ma14:wrappingTextBoxFlag xmlns:ma14="http://schemas.microsoft.com/office/mac/drawingml/2011/main" xmlns="" val="1"/>
+              <ma14:wrappingTextBoxFlag xmlns="" xmlns:ma14="http://schemas.microsoft.com/office/mac/drawingml/2011/main" val="1"/>
             </a:ext>
           </a:extLst>
         </p:spPr>
@@ -24096,7 +24166,7 @@
           </a:ln>
           <a:extLst>
             <a:ext uri="{C572A759-6A51-4108-AA02-DFA0A04FC94B}">
-              <ma14:wrappingTextBoxFlag xmlns:ma14="http://schemas.microsoft.com/office/mac/drawingml/2011/main" xmlns="" val="1"/>
+              <ma14:wrappingTextBoxFlag xmlns="" xmlns:ma14="http://schemas.microsoft.com/office/mac/drawingml/2011/main" val="1"/>
             </a:ext>
           </a:extLst>
         </p:spPr>
@@ -24193,7 +24263,7 @@
           </a:ln>
           <a:extLst>
             <a:ext uri="{C572A759-6A51-4108-AA02-DFA0A04FC94B}">
-              <ma14:wrappingTextBoxFlag xmlns:ma14="http://schemas.microsoft.com/office/mac/drawingml/2011/main" xmlns="" val="1"/>
+              <ma14:wrappingTextBoxFlag xmlns="" xmlns:ma14="http://schemas.microsoft.com/office/mac/drawingml/2011/main" val="1"/>
             </a:ext>
           </a:extLst>
         </p:spPr>
@@ -24232,7 +24302,7 @@
           </a:ln>
           <a:extLst>
             <a:ext uri="{C572A759-6A51-4108-AA02-DFA0A04FC94B}">
-              <ma14:wrappingTextBoxFlag xmlns:ma14="http://schemas.microsoft.com/office/mac/drawingml/2011/main" xmlns="" val="1"/>
+              <ma14:wrappingTextBoxFlag xmlns="" xmlns:ma14="http://schemas.microsoft.com/office/mac/drawingml/2011/main" val="1"/>
             </a:ext>
           </a:extLst>
         </p:spPr>
@@ -24361,7 +24431,7 @@
           </a:ln>
           <a:extLst>
             <a:ext uri="{C572A759-6A51-4108-AA02-DFA0A04FC94B}">
-              <ma14:wrappingTextBoxFlag xmlns:ma14="http://schemas.microsoft.com/office/mac/drawingml/2011/main" xmlns="" val="1"/>
+              <ma14:wrappingTextBoxFlag xmlns="" xmlns:ma14="http://schemas.microsoft.com/office/mac/drawingml/2011/main" val="1"/>
             </a:ext>
           </a:extLst>
         </p:spPr>
@@ -24400,7 +24470,7 @@
           </a:ln>
           <a:extLst>
             <a:ext uri="{C572A759-6A51-4108-AA02-DFA0A04FC94B}">
-              <ma14:wrappingTextBoxFlag xmlns:ma14="http://schemas.microsoft.com/office/mac/drawingml/2011/main" xmlns="" val="1"/>
+              <ma14:wrappingTextBoxFlag xmlns="" xmlns:ma14="http://schemas.microsoft.com/office/mac/drawingml/2011/main" val="1"/>
             </a:ext>
           </a:extLst>
         </p:spPr>
@@ -24454,7 +24524,7 @@
           </a:effectLst>
           <a:extLst>
             <a:ext uri="{C572A759-6A51-4108-AA02-DFA0A04FC94B}">
-              <ma14:wrappingTextBoxFlag xmlns:ma14="http://schemas.microsoft.com/office/mac/drawingml/2011/main" xmlns="" val="1"/>
+              <ma14:wrappingTextBoxFlag xmlns="" xmlns:ma14="http://schemas.microsoft.com/office/mac/drawingml/2011/main" val="1"/>
             </a:ext>
           </a:extLst>
         </p:spPr>
@@ -24513,7 +24583,7 @@
           </a:effectLst>
           <a:extLst>
             <a:ext uri="{C572A759-6A51-4108-AA02-DFA0A04FC94B}">
-              <ma14:wrappingTextBoxFlag xmlns:ma14="http://schemas.microsoft.com/office/mac/drawingml/2011/main" xmlns="" val="1"/>
+              <ma14:wrappingTextBoxFlag xmlns="" xmlns:ma14="http://schemas.microsoft.com/office/mac/drawingml/2011/main" val="1"/>
             </a:ext>
           </a:extLst>
         </p:spPr>
@@ -24572,7 +24642,7 @@
           </a:effectLst>
           <a:extLst>
             <a:ext uri="{C572A759-6A51-4108-AA02-DFA0A04FC94B}">
-              <ma14:wrappingTextBoxFlag xmlns:ma14="http://schemas.microsoft.com/office/mac/drawingml/2011/main" xmlns="" val="1"/>
+              <ma14:wrappingTextBoxFlag xmlns="" xmlns:ma14="http://schemas.microsoft.com/office/mac/drawingml/2011/main" val="1"/>
             </a:ext>
           </a:extLst>
         </p:spPr>
@@ -24631,7 +24701,7 @@
           </a:effectLst>
           <a:extLst>
             <a:ext uri="{C572A759-6A51-4108-AA02-DFA0A04FC94B}">
-              <ma14:wrappingTextBoxFlag xmlns:ma14="http://schemas.microsoft.com/office/mac/drawingml/2011/main" xmlns="" val="1"/>
+              <ma14:wrappingTextBoxFlag xmlns="" xmlns:ma14="http://schemas.microsoft.com/office/mac/drawingml/2011/main" val="1"/>
             </a:ext>
           </a:extLst>
         </p:spPr>
@@ -24690,7 +24760,7 @@
           </a:effectLst>
           <a:extLst>
             <a:ext uri="{C572A759-6A51-4108-AA02-DFA0A04FC94B}">
-              <ma14:wrappingTextBoxFlag xmlns:ma14="http://schemas.microsoft.com/office/mac/drawingml/2011/main" xmlns="" val="1"/>
+              <ma14:wrappingTextBoxFlag xmlns="" xmlns:ma14="http://schemas.microsoft.com/office/mac/drawingml/2011/main" val="1"/>
             </a:ext>
           </a:extLst>
         </p:spPr>
@@ -24767,7 +24837,7 @@
           </a:ln>
           <a:extLst>
             <a:ext uri="{C572A759-6A51-4108-AA02-DFA0A04FC94B}">
-              <ma14:wrappingTextBoxFlag xmlns:ma14="http://schemas.microsoft.com/office/mac/drawingml/2011/main" xmlns="" val="1"/>
+              <ma14:wrappingTextBoxFlag xmlns="" xmlns:ma14="http://schemas.microsoft.com/office/mac/drawingml/2011/main" val="1"/>
             </a:ext>
           </a:extLst>
         </p:spPr>
@@ -24807,7 +24877,7 @@
           </a:ln>
           <a:extLst>
             <a:ext uri="{C572A759-6A51-4108-AA02-DFA0A04FC94B}">
-              <ma14:wrappingTextBoxFlag xmlns:ma14="http://schemas.microsoft.com/office/mac/drawingml/2011/main" xmlns="" val="1"/>
+              <ma14:wrappingTextBoxFlag xmlns="" xmlns:ma14="http://schemas.microsoft.com/office/mac/drawingml/2011/main" val="1"/>
             </a:ext>
           </a:extLst>
         </p:spPr>
@@ -24847,7 +24917,7 @@
           </a:ln>
           <a:extLst>
             <a:ext uri="{C572A759-6A51-4108-AA02-DFA0A04FC94B}">
-              <ma14:wrappingTextBoxFlag xmlns:ma14="http://schemas.microsoft.com/office/mac/drawingml/2011/main" xmlns="" val="1"/>
+              <ma14:wrappingTextBoxFlag xmlns="" xmlns:ma14="http://schemas.microsoft.com/office/mac/drawingml/2011/main" val="1"/>
             </a:ext>
           </a:extLst>
         </p:spPr>
@@ -24944,7 +25014,7 @@
           </a:ln>
           <a:extLst>
             <a:ext uri="{C572A759-6A51-4108-AA02-DFA0A04FC94B}">
-              <ma14:wrappingTextBoxFlag xmlns:ma14="http://schemas.microsoft.com/office/mac/drawingml/2011/main" xmlns="" val="1"/>
+              <ma14:wrappingTextBoxFlag xmlns="" xmlns:ma14="http://schemas.microsoft.com/office/mac/drawingml/2011/main" val="1"/>
             </a:ext>
           </a:extLst>
         </p:spPr>
@@ -24983,7 +25053,7 @@
           </a:ln>
           <a:extLst>
             <a:ext uri="{C572A759-6A51-4108-AA02-DFA0A04FC94B}">
-              <ma14:wrappingTextBoxFlag xmlns:ma14="http://schemas.microsoft.com/office/mac/drawingml/2011/main" xmlns="" val="1"/>
+              <ma14:wrappingTextBoxFlag xmlns="" xmlns:ma14="http://schemas.microsoft.com/office/mac/drawingml/2011/main" val="1"/>
             </a:ext>
           </a:extLst>
         </p:spPr>
@@ -25037,7 +25107,7 @@
           </a:effectLst>
           <a:extLst>
             <a:ext uri="{C572A759-6A51-4108-AA02-DFA0A04FC94B}">
-              <ma14:wrappingTextBoxFlag xmlns:ma14="http://schemas.microsoft.com/office/mac/drawingml/2011/main" xmlns="" val="1"/>
+              <ma14:wrappingTextBoxFlag xmlns="" xmlns:ma14="http://schemas.microsoft.com/office/mac/drawingml/2011/main" val="1"/>
             </a:ext>
           </a:extLst>
         </p:spPr>
@@ -25096,7 +25166,7 @@
           </a:effectLst>
           <a:extLst>
             <a:ext uri="{C572A759-6A51-4108-AA02-DFA0A04FC94B}">
-              <ma14:wrappingTextBoxFlag xmlns:ma14="http://schemas.microsoft.com/office/mac/drawingml/2011/main" xmlns="" val="1"/>
+              <ma14:wrappingTextBoxFlag xmlns="" xmlns:ma14="http://schemas.microsoft.com/office/mac/drawingml/2011/main" val="1"/>
             </a:ext>
           </a:extLst>
         </p:spPr>
@@ -25155,7 +25225,7 @@
           </a:effectLst>
           <a:extLst>
             <a:ext uri="{C572A759-6A51-4108-AA02-DFA0A04FC94B}">
-              <ma14:wrappingTextBoxFlag xmlns:ma14="http://schemas.microsoft.com/office/mac/drawingml/2011/main" xmlns="" val="1"/>
+              <ma14:wrappingTextBoxFlag xmlns="" xmlns:ma14="http://schemas.microsoft.com/office/mac/drawingml/2011/main" val="1"/>
             </a:ext>
           </a:extLst>
         </p:spPr>
@@ -25244,7 +25314,7 @@
           </a:effectLst>
           <a:extLst>
             <a:ext uri="{C572A759-6A51-4108-AA02-DFA0A04FC94B}">
-              <ma14:wrappingTextBoxFlag xmlns:ma14="http://schemas.microsoft.com/office/mac/drawingml/2011/main" xmlns="" val="1"/>
+              <ma14:wrappingTextBoxFlag xmlns="" xmlns:ma14="http://schemas.microsoft.com/office/mac/drawingml/2011/main" val="1"/>
             </a:ext>
           </a:extLst>
         </p:spPr>
@@ -25303,7 +25373,7 @@
           </a:effectLst>
           <a:extLst>
             <a:ext uri="{C572A759-6A51-4108-AA02-DFA0A04FC94B}">
-              <ma14:wrappingTextBoxFlag xmlns:ma14="http://schemas.microsoft.com/office/mac/drawingml/2011/main" xmlns="" val="1"/>
+              <ma14:wrappingTextBoxFlag xmlns="" xmlns:ma14="http://schemas.microsoft.com/office/mac/drawingml/2011/main" val="1"/>
             </a:ext>
           </a:extLst>
         </p:spPr>
@@ -25572,7 +25642,7 @@
           </a:effectLst>
           <a:extLst>
             <a:ext uri="{C572A759-6A51-4108-AA02-DFA0A04FC94B}">
-              <ma14:wrappingTextBoxFlag xmlns:ma14="http://schemas.microsoft.com/office/mac/drawingml/2011/main" xmlns="" val="1"/>
+              <ma14:wrappingTextBoxFlag xmlns="" xmlns:ma14="http://schemas.microsoft.com/office/mac/drawingml/2011/main" val="1"/>
             </a:ext>
           </a:extLst>
         </p:spPr>
@@ -25631,7 +25701,7 @@
           </a:effectLst>
           <a:extLst>
             <a:ext uri="{C572A759-6A51-4108-AA02-DFA0A04FC94B}">
-              <ma14:wrappingTextBoxFlag xmlns:ma14="http://schemas.microsoft.com/office/mac/drawingml/2011/main" xmlns="" val="1"/>
+              <ma14:wrappingTextBoxFlag xmlns="" xmlns:ma14="http://schemas.microsoft.com/office/mac/drawingml/2011/main" val="1"/>
             </a:ext>
           </a:extLst>
         </p:spPr>
@@ -25688,7 +25758,7 @@
           </a:ln>
           <a:extLst>
             <a:ext uri="{C572A759-6A51-4108-AA02-DFA0A04FC94B}">
-              <ma14:wrappingTextBoxFlag xmlns:ma14="http://schemas.microsoft.com/office/mac/drawingml/2011/main" xmlns="" val="1"/>
+              <ma14:wrappingTextBoxFlag xmlns="" xmlns:ma14="http://schemas.microsoft.com/office/mac/drawingml/2011/main" val="1"/>
             </a:ext>
           </a:extLst>
         </p:spPr>
@@ -25772,7 +25842,7 @@
           </a:effectLst>
           <a:extLst>
             <a:ext uri="{C572A759-6A51-4108-AA02-DFA0A04FC94B}">
-              <ma14:wrappingTextBoxFlag xmlns:ma14="http://schemas.microsoft.com/office/mac/drawingml/2011/main" xmlns="" val="1"/>
+              <ma14:wrappingTextBoxFlag xmlns="" xmlns:ma14="http://schemas.microsoft.com/office/mac/drawingml/2011/main" val="1"/>
             </a:ext>
           </a:extLst>
         </p:spPr>
@@ -25831,7 +25901,7 @@
           </a:effectLst>
           <a:extLst>
             <a:ext uri="{C572A759-6A51-4108-AA02-DFA0A04FC94B}">
-              <ma14:wrappingTextBoxFlag xmlns:ma14="http://schemas.microsoft.com/office/mac/drawingml/2011/main" xmlns="" val="1"/>
+              <ma14:wrappingTextBoxFlag xmlns="" xmlns:ma14="http://schemas.microsoft.com/office/mac/drawingml/2011/main" val="1"/>
             </a:ext>
           </a:extLst>
         </p:spPr>
@@ -25890,7 +25960,7 @@
           </a:effectLst>
           <a:extLst>
             <a:ext uri="{C572A759-6A51-4108-AA02-DFA0A04FC94B}">
-              <ma14:wrappingTextBoxFlag xmlns:ma14="http://schemas.microsoft.com/office/mac/drawingml/2011/main" xmlns="" val="1"/>
+              <ma14:wrappingTextBoxFlag xmlns="" xmlns:ma14="http://schemas.microsoft.com/office/mac/drawingml/2011/main" val="1"/>
             </a:ext>
           </a:extLst>
         </p:spPr>
@@ -25949,7 +26019,7 @@
           </a:effectLst>
           <a:extLst>
             <a:ext uri="{C572A759-6A51-4108-AA02-DFA0A04FC94B}">
-              <ma14:wrappingTextBoxFlag xmlns:ma14="http://schemas.microsoft.com/office/mac/drawingml/2011/main" xmlns="" val="1"/>
+              <ma14:wrappingTextBoxFlag xmlns="" xmlns:ma14="http://schemas.microsoft.com/office/mac/drawingml/2011/main" val="1"/>
             </a:ext>
           </a:extLst>
         </p:spPr>
@@ -26016,7 +26086,7 @@
           </a:effectLst>
           <a:extLst>
             <a:ext uri="{C572A759-6A51-4108-AA02-DFA0A04FC94B}">
-              <ma14:wrappingTextBoxFlag xmlns:ma14="http://schemas.microsoft.com/office/mac/drawingml/2011/main" xmlns="" val="1"/>
+              <ma14:wrappingTextBoxFlag xmlns="" xmlns:ma14="http://schemas.microsoft.com/office/mac/drawingml/2011/main" val="1"/>
             </a:ext>
           </a:extLst>
         </p:spPr>
@@ -26083,7 +26153,7 @@
           </a:effectLst>
           <a:extLst>
             <a:ext uri="{C572A759-6A51-4108-AA02-DFA0A04FC94B}">
-              <ma14:wrappingTextBoxFlag xmlns:ma14="http://schemas.microsoft.com/office/mac/drawingml/2011/main" xmlns="" val="1"/>
+              <ma14:wrappingTextBoxFlag xmlns="" xmlns:ma14="http://schemas.microsoft.com/office/mac/drawingml/2011/main" val="1"/>
             </a:ext>
           </a:extLst>
         </p:spPr>
@@ -26200,7 +26270,7 @@
           </a:ln>
           <a:extLst>
             <a:ext uri="{C572A759-6A51-4108-AA02-DFA0A04FC94B}">
-              <ma14:wrappingTextBoxFlag xmlns:ma14="http://schemas.microsoft.com/office/mac/drawingml/2011/main" xmlns="" val="1"/>
+              <ma14:wrappingTextBoxFlag xmlns="" xmlns:ma14="http://schemas.microsoft.com/office/mac/drawingml/2011/main" val="1"/>
             </a:ext>
           </a:extLst>
         </p:spPr>
@@ -26242,7 +26312,7 @@
           </a:ln>
           <a:extLst>
             <a:ext uri="{C572A759-6A51-4108-AA02-DFA0A04FC94B}">
-              <ma14:wrappingTextBoxFlag xmlns:ma14="http://schemas.microsoft.com/office/mac/drawingml/2011/main" xmlns="" val="1"/>
+              <ma14:wrappingTextBoxFlag xmlns="" xmlns:ma14="http://schemas.microsoft.com/office/mac/drawingml/2011/main" val="1"/>
             </a:ext>
           </a:extLst>
         </p:spPr>
@@ -26284,7 +26354,7 @@
           </a:ln>
           <a:extLst>
             <a:ext uri="{C572A759-6A51-4108-AA02-DFA0A04FC94B}">
-              <ma14:wrappingTextBoxFlag xmlns:ma14="http://schemas.microsoft.com/office/mac/drawingml/2011/main" xmlns="" val="1"/>
+              <ma14:wrappingTextBoxFlag xmlns="" xmlns:ma14="http://schemas.microsoft.com/office/mac/drawingml/2011/main" val="1"/>
             </a:ext>
           </a:extLst>
         </p:spPr>
@@ -26398,7 +26468,7 @@
           </a:effectLst>
           <a:extLst>
             <a:ext uri="{C572A759-6A51-4108-AA02-DFA0A04FC94B}">
-              <ma14:wrappingTextBoxFlag xmlns:ma14="http://schemas.microsoft.com/office/mac/drawingml/2011/main" xmlns="" val="1"/>
+              <ma14:wrappingTextBoxFlag xmlns="" xmlns:ma14="http://schemas.microsoft.com/office/mac/drawingml/2011/main" val="1"/>
             </a:ext>
           </a:extLst>
         </p:spPr>
@@ -26459,7 +26529,7 @@
           </a:effectLst>
           <a:extLst>
             <a:ext uri="{C572A759-6A51-4108-AA02-DFA0A04FC94B}">
-              <ma14:wrappingTextBoxFlag xmlns:ma14="http://schemas.microsoft.com/office/mac/drawingml/2011/main" xmlns="" val="1"/>
+              <ma14:wrappingTextBoxFlag xmlns="" xmlns:ma14="http://schemas.microsoft.com/office/mac/drawingml/2011/main" val="1"/>
             </a:ext>
           </a:extLst>
         </p:spPr>
@@ -26543,7 +26613,7 @@
           </a:effectLst>
           <a:extLst>
             <a:ext uri="{C572A759-6A51-4108-AA02-DFA0A04FC94B}">
-              <ma14:wrappingTextBoxFlag xmlns:ma14="http://schemas.microsoft.com/office/mac/drawingml/2011/main" xmlns="" val="1"/>
+              <ma14:wrappingTextBoxFlag xmlns="" xmlns:ma14="http://schemas.microsoft.com/office/mac/drawingml/2011/main" val="1"/>
             </a:ext>
           </a:extLst>
         </p:spPr>
@@ -26610,7 +26680,7 @@
           </a:ln>
           <a:extLst>
             <a:ext uri="{C572A759-6A51-4108-AA02-DFA0A04FC94B}">
-              <ma14:wrappingTextBoxFlag xmlns:ma14="http://schemas.microsoft.com/office/mac/drawingml/2011/main" xmlns="" val="1"/>
+              <ma14:wrappingTextBoxFlag xmlns="" xmlns:ma14="http://schemas.microsoft.com/office/mac/drawingml/2011/main" val="1"/>
             </a:ext>
           </a:extLst>
         </p:spPr>
@@ -26649,7 +26719,7 @@
           </a:ln>
           <a:extLst>
             <a:ext uri="{C572A759-6A51-4108-AA02-DFA0A04FC94B}">
-              <ma14:wrappingTextBoxFlag xmlns:ma14="http://schemas.microsoft.com/office/mac/drawingml/2011/main" xmlns="" val="1"/>
+              <ma14:wrappingTextBoxFlag xmlns="" xmlns:ma14="http://schemas.microsoft.com/office/mac/drawingml/2011/main" val="1"/>
             </a:ext>
           </a:extLst>
         </p:spPr>
@@ -26688,7 +26758,7 @@
           </a:ln>
           <a:extLst>
             <a:ext uri="{C572A759-6A51-4108-AA02-DFA0A04FC94B}">
-              <ma14:wrappingTextBoxFlag xmlns:ma14="http://schemas.microsoft.com/office/mac/drawingml/2011/main" xmlns="" val="1"/>
+              <ma14:wrappingTextBoxFlag xmlns="" xmlns:ma14="http://schemas.microsoft.com/office/mac/drawingml/2011/main" val="1"/>
             </a:ext>
           </a:extLst>
         </p:spPr>
@@ -26737,7 +26807,7 @@
           </a:effectLst>
           <a:extLst>
             <a:ext uri="{C572A759-6A51-4108-AA02-DFA0A04FC94B}">
-              <ma14:wrappingTextBoxFlag xmlns:ma14="http://schemas.microsoft.com/office/mac/drawingml/2011/main" xmlns="" val="1"/>
+              <ma14:wrappingTextBoxFlag xmlns="" xmlns:ma14="http://schemas.microsoft.com/office/mac/drawingml/2011/main" val="1"/>
             </a:ext>
           </a:extLst>
         </p:spPr>
@@ -26784,7 +26854,7 @@
           </a:effectLst>
           <a:extLst>
             <a:ext uri="{C572A759-6A51-4108-AA02-DFA0A04FC94B}">
-              <ma14:wrappingTextBoxFlag xmlns:ma14="http://schemas.microsoft.com/office/mac/drawingml/2011/main" xmlns="" val="1"/>
+              <ma14:wrappingTextBoxFlag xmlns="" xmlns:ma14="http://schemas.microsoft.com/office/mac/drawingml/2011/main" val="1"/>
             </a:ext>
           </a:extLst>
         </p:spPr>
@@ -26911,7 +26981,7 @@
           </a:ln>
           <a:extLst>
             <a:ext uri="{C572A759-6A51-4108-AA02-DFA0A04FC94B}">
-              <ma14:wrappingTextBoxFlag xmlns:ma14="http://schemas.microsoft.com/office/mac/drawingml/2011/main" xmlns="" val="1"/>
+              <ma14:wrappingTextBoxFlag xmlns="" xmlns:ma14="http://schemas.microsoft.com/office/mac/drawingml/2011/main" val="1"/>
             </a:ext>
           </a:extLst>
         </p:spPr>
@@ -26950,7 +27020,7 @@
           </a:ln>
           <a:extLst>
             <a:ext uri="{C572A759-6A51-4108-AA02-DFA0A04FC94B}">
-              <ma14:wrappingTextBoxFlag xmlns:ma14="http://schemas.microsoft.com/office/mac/drawingml/2011/main" xmlns="" val="1"/>
+              <ma14:wrappingTextBoxFlag xmlns="" xmlns:ma14="http://schemas.microsoft.com/office/mac/drawingml/2011/main" val="1"/>
             </a:ext>
           </a:extLst>
         </p:spPr>
@@ -26989,7 +27059,7 @@
           </a:ln>
           <a:extLst>
             <a:ext uri="{C572A759-6A51-4108-AA02-DFA0A04FC94B}">
-              <ma14:wrappingTextBoxFlag xmlns:ma14="http://schemas.microsoft.com/office/mac/drawingml/2011/main" xmlns="" val="1"/>
+              <ma14:wrappingTextBoxFlag xmlns="" xmlns:ma14="http://schemas.microsoft.com/office/mac/drawingml/2011/main" val="1"/>
             </a:ext>
           </a:extLst>
         </p:spPr>
@@ -27043,7 +27113,7 @@
           </a:effectLst>
           <a:extLst>
             <a:ext uri="{C572A759-6A51-4108-AA02-DFA0A04FC94B}">
-              <ma14:wrappingTextBoxFlag xmlns:ma14="http://schemas.microsoft.com/office/mac/drawingml/2011/main" xmlns="" val="1"/>
+              <ma14:wrappingTextBoxFlag xmlns="" xmlns:ma14="http://schemas.microsoft.com/office/mac/drawingml/2011/main" val="1"/>
             </a:ext>
           </a:extLst>
         </p:spPr>
@@ -27102,7 +27172,7 @@
           </a:effectLst>
           <a:extLst>
             <a:ext uri="{C572A759-6A51-4108-AA02-DFA0A04FC94B}">
-              <ma14:wrappingTextBoxFlag xmlns:ma14="http://schemas.microsoft.com/office/mac/drawingml/2011/main" xmlns="" val="1"/>
+              <ma14:wrappingTextBoxFlag xmlns="" xmlns:ma14="http://schemas.microsoft.com/office/mac/drawingml/2011/main" val="1"/>
             </a:ext>
           </a:extLst>
         </p:spPr>
@@ -27161,7 +27231,7 @@
           </a:effectLst>
           <a:extLst>
             <a:ext uri="{C572A759-6A51-4108-AA02-DFA0A04FC94B}">
-              <ma14:wrappingTextBoxFlag xmlns:ma14="http://schemas.microsoft.com/office/mac/drawingml/2011/main" xmlns="" val="1"/>
+              <ma14:wrappingTextBoxFlag xmlns="" xmlns:ma14="http://schemas.microsoft.com/office/mac/drawingml/2011/main" val="1"/>
             </a:ext>
           </a:extLst>
         </p:spPr>
@@ -27205,7 +27275,7 @@
           </a:ln>
           <a:extLst>
             <a:ext uri="{C572A759-6A51-4108-AA02-DFA0A04FC94B}">
-              <ma14:wrappingTextBoxFlag xmlns:ma14="http://schemas.microsoft.com/office/mac/drawingml/2011/main" xmlns="" val="1"/>
+              <ma14:wrappingTextBoxFlag xmlns="" xmlns:ma14="http://schemas.microsoft.com/office/mac/drawingml/2011/main" val="1"/>
             </a:ext>
           </a:extLst>
         </p:spPr>
@@ -27244,7 +27314,7 @@
           </a:ln>
           <a:extLst>
             <a:ext uri="{C572A759-6A51-4108-AA02-DFA0A04FC94B}">
-              <ma14:wrappingTextBoxFlag xmlns:ma14="http://schemas.microsoft.com/office/mac/drawingml/2011/main" xmlns="" val="1"/>
+              <ma14:wrappingTextBoxFlag xmlns="" xmlns:ma14="http://schemas.microsoft.com/office/mac/drawingml/2011/main" val="1"/>
             </a:ext>
           </a:extLst>
         </p:spPr>
@@ -27283,7 +27353,7 @@
           </a:ln>
           <a:extLst>
             <a:ext uri="{C572A759-6A51-4108-AA02-DFA0A04FC94B}">
-              <ma14:wrappingTextBoxFlag xmlns:ma14="http://schemas.microsoft.com/office/mac/drawingml/2011/main" xmlns="" val="1"/>
+              <ma14:wrappingTextBoxFlag xmlns="" xmlns:ma14="http://schemas.microsoft.com/office/mac/drawingml/2011/main" val="1"/>
             </a:ext>
           </a:extLst>
         </p:spPr>
@@ -27322,7 +27392,7 @@
           </a:ln>
           <a:extLst>
             <a:ext uri="{C572A759-6A51-4108-AA02-DFA0A04FC94B}">
-              <ma14:wrappingTextBoxFlag xmlns:ma14="http://schemas.microsoft.com/office/mac/drawingml/2011/main" xmlns="" val="1"/>
+              <ma14:wrappingTextBoxFlag xmlns="" xmlns:ma14="http://schemas.microsoft.com/office/mac/drawingml/2011/main" val="1"/>
             </a:ext>
           </a:extLst>
         </p:spPr>
@@ -27361,7 +27431,7 @@
           </a:ln>
           <a:extLst>
             <a:ext uri="{C572A759-6A51-4108-AA02-DFA0A04FC94B}">
-              <ma14:wrappingTextBoxFlag xmlns:ma14="http://schemas.microsoft.com/office/mac/drawingml/2011/main" xmlns="" val="1"/>
+              <ma14:wrappingTextBoxFlag xmlns="" xmlns:ma14="http://schemas.microsoft.com/office/mac/drawingml/2011/main" val="1"/>
             </a:ext>
           </a:extLst>
         </p:spPr>
@@ -27400,7 +27470,7 @@
           </a:ln>
           <a:extLst>
             <a:ext uri="{C572A759-6A51-4108-AA02-DFA0A04FC94B}">
-              <ma14:wrappingTextBoxFlag xmlns:ma14="http://schemas.microsoft.com/office/mac/drawingml/2011/main" xmlns="" val="1"/>
+              <ma14:wrappingTextBoxFlag xmlns="" xmlns:ma14="http://schemas.microsoft.com/office/mac/drawingml/2011/main" val="1"/>
             </a:ext>
           </a:extLst>
         </p:spPr>
@@ -27446,7 +27516,7 @@
           </a:ln>
           <a:extLst>
             <a:ext uri="{C572A759-6A51-4108-AA02-DFA0A04FC94B}">
-              <ma14:wrappingTextBoxFlag xmlns:ma14="http://schemas.microsoft.com/office/mac/drawingml/2011/main" xmlns="" val="1"/>
+              <ma14:wrappingTextBoxFlag xmlns="" xmlns:ma14="http://schemas.microsoft.com/office/mac/drawingml/2011/main" val="1"/>
             </a:ext>
           </a:extLst>
         </p:spPr>
@@ -27492,7 +27562,7 @@
           </a:ln>
           <a:extLst>
             <a:ext uri="{C572A759-6A51-4108-AA02-DFA0A04FC94B}">
-              <ma14:wrappingTextBoxFlag xmlns:ma14="http://schemas.microsoft.com/office/mac/drawingml/2011/main" xmlns="" val="1"/>
+              <ma14:wrappingTextBoxFlag xmlns="" xmlns:ma14="http://schemas.microsoft.com/office/mac/drawingml/2011/main" val="1"/>
             </a:ext>
           </a:extLst>
         </p:spPr>
@@ -27538,7 +27608,7 @@
           </a:ln>
           <a:extLst>
             <a:ext uri="{C572A759-6A51-4108-AA02-DFA0A04FC94B}">
-              <ma14:wrappingTextBoxFlag xmlns:ma14="http://schemas.microsoft.com/office/mac/drawingml/2011/main" xmlns="" val="1"/>
+              <ma14:wrappingTextBoxFlag xmlns="" xmlns:ma14="http://schemas.microsoft.com/office/mac/drawingml/2011/main" val="1"/>
             </a:ext>
           </a:extLst>
         </p:spPr>
@@ -27599,7 +27669,7 @@
           </a:effectLst>
           <a:extLst>
             <a:ext uri="{C572A759-6A51-4108-AA02-DFA0A04FC94B}">
-              <ma14:wrappingTextBoxFlag xmlns:ma14="http://schemas.microsoft.com/office/mac/drawingml/2011/main" xmlns="" val="1"/>
+              <ma14:wrappingTextBoxFlag xmlns="" xmlns:ma14="http://schemas.microsoft.com/office/mac/drawingml/2011/main" val="1"/>
             </a:ext>
           </a:extLst>
         </p:spPr>
@@ -27653,7 +27723,7 @@
           </a:effectLst>
           <a:extLst>
             <a:ext uri="{C572A759-6A51-4108-AA02-DFA0A04FC94B}">
-              <ma14:wrappingTextBoxFlag xmlns:ma14="http://schemas.microsoft.com/office/mac/drawingml/2011/main" xmlns="" val="1"/>
+              <ma14:wrappingTextBoxFlag xmlns="" xmlns:ma14="http://schemas.microsoft.com/office/mac/drawingml/2011/main" val="1"/>
             </a:ext>
           </a:extLst>
         </p:spPr>
@@ -27690,7 +27760,7 @@
           </a:ln>
           <a:extLst>
             <a:ext uri="{C572A759-6A51-4108-AA02-DFA0A04FC94B}">
-              <ma14:wrappingTextBoxFlag xmlns:ma14="http://schemas.microsoft.com/office/mac/drawingml/2011/main" xmlns="" val="1"/>
+              <ma14:wrappingTextBoxFlag xmlns="" xmlns:ma14="http://schemas.microsoft.com/office/mac/drawingml/2011/main" val="1"/>
             </a:ext>
           </a:extLst>
         </p:spPr>
@@ -27761,7 +27831,7 @@
           </a:effectLst>
           <a:extLst>
             <a:ext uri="{C572A759-6A51-4108-AA02-DFA0A04FC94B}">
-              <ma14:wrappingTextBoxFlag xmlns:ma14="http://schemas.microsoft.com/office/mac/drawingml/2011/main" xmlns="" val="1"/>
+              <ma14:wrappingTextBoxFlag xmlns="" xmlns:ma14="http://schemas.microsoft.com/office/mac/drawingml/2011/main" val="1"/>
             </a:ext>
           </a:extLst>
         </p:spPr>
@@ -27820,7 +27890,7 @@
           </a:effectLst>
           <a:extLst>
             <a:ext uri="{C572A759-6A51-4108-AA02-DFA0A04FC94B}">
-              <ma14:wrappingTextBoxFlag xmlns:ma14="http://schemas.microsoft.com/office/mac/drawingml/2011/main" xmlns="" val="1"/>
+              <ma14:wrappingTextBoxFlag xmlns="" xmlns:ma14="http://schemas.microsoft.com/office/mac/drawingml/2011/main" val="1"/>
             </a:ext>
           </a:extLst>
         </p:spPr>
@@ -27874,7 +27944,7 @@
           </a:effectLst>
           <a:extLst>
             <a:ext uri="{C572A759-6A51-4108-AA02-DFA0A04FC94B}">
-              <ma14:wrappingTextBoxFlag xmlns:ma14="http://schemas.microsoft.com/office/mac/drawingml/2011/main" xmlns="" val="1"/>
+              <ma14:wrappingTextBoxFlag xmlns="" xmlns:ma14="http://schemas.microsoft.com/office/mac/drawingml/2011/main" val="1"/>
             </a:ext>
           </a:extLst>
         </p:spPr>
@@ -27926,7 +27996,7 @@
           </a:effectLst>
           <a:extLst>
             <a:ext uri="{C572A759-6A51-4108-AA02-DFA0A04FC94B}">
-              <ma14:wrappingTextBoxFlag xmlns:ma14="http://schemas.microsoft.com/office/mac/drawingml/2011/main" xmlns="" val="1"/>
+              <ma14:wrappingTextBoxFlag xmlns="" xmlns:ma14="http://schemas.microsoft.com/office/mac/drawingml/2011/main" val="1"/>
             </a:ext>
           </a:extLst>
         </p:spPr>
@@ -27970,7 +28040,7 @@
           </a:ln>
           <a:extLst>
             <a:ext uri="{C572A759-6A51-4108-AA02-DFA0A04FC94B}">
-              <ma14:wrappingTextBoxFlag xmlns:ma14="http://schemas.microsoft.com/office/mac/drawingml/2011/main" xmlns="" val="1"/>
+              <ma14:wrappingTextBoxFlag xmlns="" xmlns:ma14="http://schemas.microsoft.com/office/mac/drawingml/2011/main" val="1"/>
             </a:ext>
           </a:extLst>
         </p:spPr>
@@ -28009,7 +28079,7 @@
           </a:ln>
           <a:extLst>
             <a:ext uri="{C572A759-6A51-4108-AA02-DFA0A04FC94B}">
-              <ma14:wrappingTextBoxFlag xmlns:ma14="http://schemas.microsoft.com/office/mac/drawingml/2011/main" xmlns="" val="1"/>
+              <ma14:wrappingTextBoxFlag xmlns="" xmlns:ma14="http://schemas.microsoft.com/office/mac/drawingml/2011/main" val="1"/>
             </a:ext>
           </a:extLst>
         </p:spPr>
@@ -28189,7 +28259,7 @@
           </a:prstGeom>
           <a:extLst>
             <a:ext uri="{C572A759-6A51-4108-AA02-DFA0A04FC94B}">
-              <ma14:wrappingTextBoxFlag xmlns:ma14="http://schemas.microsoft.com/office/mac/drawingml/2011/main" xmlns="" val="1"/>
+              <ma14:wrappingTextBoxFlag xmlns="" xmlns:ma14="http://schemas.microsoft.com/office/mac/drawingml/2011/main" val="1"/>
             </a:ext>
           </a:extLst>
         </p:spPr>
